--- a/200402/2020.04.02.pptx
+++ b/200402/2020.04.02.pptx
@@ -3573,7 +3573,7 @@
     <mc:Choice Requires="p14">
       <p:transition/>
     </mc:Choice>
-    <mc:Fallback xmlns="" xmlns:c="http://schemas.openxmlformats.org/drawingml/2006/chart" xmlns:dgm="http://schemas.openxmlformats.org/drawingml/2006/diagram" xmlns:dsp="http://schemas.microsoft.com/office/drawing/2008/diagram">
+    <mc:Fallback xmlns:dsp="http://schemas.microsoft.com/office/drawing/2008/diagram" xmlns:dgm="http://schemas.openxmlformats.org/drawingml/2006/diagram" xmlns:c="http://schemas.openxmlformats.org/drawingml/2006/chart" xmlns="">
       <p:transition/>
     </mc:Fallback>
   </mc:AlternateContent>
@@ -4402,7 +4402,7 @@
     <mc:Choice Requires="p14">
       <p:transition/>
     </mc:Choice>
-    <mc:Fallback xmlns="" xmlns:c="http://schemas.openxmlformats.org/drawingml/2006/chart" xmlns:dgm="http://schemas.openxmlformats.org/drawingml/2006/diagram" xmlns:dsp="http://schemas.microsoft.com/office/drawing/2008/diagram">
+    <mc:Fallback xmlns:dsp="http://schemas.microsoft.com/office/drawing/2008/diagram" xmlns:dgm="http://schemas.openxmlformats.org/drawingml/2006/diagram" xmlns:c="http://schemas.openxmlformats.org/drawingml/2006/chart" xmlns="">
       <p:transition/>
     </mc:Fallback>
   </mc:AlternateContent>
@@ -5089,7 +5089,7 @@
     <mc:Choice Requires="p14">
       <p:transition/>
     </mc:Choice>
-    <mc:Fallback xmlns="" xmlns:c="http://schemas.openxmlformats.org/drawingml/2006/chart" xmlns:dgm="http://schemas.openxmlformats.org/drawingml/2006/diagram" xmlns:dsp="http://schemas.microsoft.com/office/drawing/2008/diagram">
+    <mc:Fallback xmlns:dsp="http://schemas.microsoft.com/office/drawing/2008/diagram" xmlns:dgm="http://schemas.openxmlformats.org/drawingml/2006/diagram" xmlns:c="http://schemas.openxmlformats.org/drawingml/2006/chart" xmlns="">
       <p:transition/>
     </mc:Fallback>
   </mc:AlternateContent>
@@ -5244,7 +5244,7 @@
     <mc:Choice Requires="p14">
       <p:transition/>
     </mc:Choice>
-    <mc:Fallback xmlns="" xmlns:c="http://schemas.openxmlformats.org/drawingml/2006/chart" xmlns:dgm="http://schemas.openxmlformats.org/drawingml/2006/diagram" xmlns:dsp="http://schemas.microsoft.com/office/drawing/2008/diagram">
+    <mc:Fallback xmlns:dsp="http://schemas.microsoft.com/office/drawing/2008/diagram" xmlns:dgm="http://schemas.openxmlformats.org/drawingml/2006/diagram" xmlns:c="http://schemas.openxmlformats.org/drawingml/2006/chart" xmlns="">
       <p:transition/>
     </mc:Fallback>
   </mc:AlternateContent>
@@ -5921,7 +5921,7 @@
     <mc:Choice Requires="p14">
       <p:transition/>
     </mc:Choice>
-    <mc:Fallback xmlns="" xmlns:c="http://schemas.openxmlformats.org/drawingml/2006/chart" xmlns:dgm="http://schemas.openxmlformats.org/drawingml/2006/diagram" xmlns:dsp="http://schemas.microsoft.com/office/drawing/2008/diagram">
+    <mc:Fallback xmlns:dsp="http://schemas.microsoft.com/office/drawing/2008/diagram" xmlns:dgm="http://schemas.openxmlformats.org/drawingml/2006/diagram" xmlns:c="http://schemas.openxmlformats.org/drawingml/2006/chart" xmlns="">
       <p:transition/>
     </mc:Fallback>
   </mc:AlternateContent>
@@ -6298,7 +6298,7 @@
     <mc:Choice Requires="p14">
       <p:transition/>
     </mc:Choice>
-    <mc:Fallback xmlns="" xmlns:c="http://schemas.openxmlformats.org/drawingml/2006/chart" xmlns:dgm="http://schemas.openxmlformats.org/drawingml/2006/diagram" xmlns:dsp="http://schemas.microsoft.com/office/drawing/2008/diagram">
+    <mc:Fallback xmlns:dsp="http://schemas.microsoft.com/office/drawing/2008/diagram" xmlns:dgm="http://schemas.openxmlformats.org/drawingml/2006/diagram" xmlns:c="http://schemas.openxmlformats.org/drawingml/2006/chart" xmlns="">
       <p:transition/>
     </mc:Fallback>
   </mc:AlternateContent>
@@ -6857,7 +6857,7 @@
     <mc:Choice Requires="p14">
       <p:transition/>
     </mc:Choice>
-    <mc:Fallback xmlns="" xmlns:c="http://schemas.openxmlformats.org/drawingml/2006/chart" xmlns:dgm="http://schemas.openxmlformats.org/drawingml/2006/diagram" xmlns:dsp="http://schemas.microsoft.com/office/drawing/2008/diagram">
+    <mc:Fallback xmlns:dsp="http://schemas.microsoft.com/office/drawing/2008/diagram" xmlns:dgm="http://schemas.openxmlformats.org/drawingml/2006/diagram" xmlns:c="http://schemas.openxmlformats.org/drawingml/2006/chart" xmlns="">
       <p:transition/>
     </mc:Fallback>
   </mc:AlternateContent>
@@ -6955,7 +6955,7 @@
         </p:nvSpPr>
         <p:spPr>
           <a:xfrm>
-            <a:off x="2168126" y="2560954"/>
+            <a:off x="2168126" y="2931890"/>
             <a:ext cx="631437" cy="631437"/>
           </a:xfrm>
           <a:prstGeom prst="ellipse">
@@ -7030,7 +7030,7 @@
         </p:nvSpPr>
         <p:spPr>
           <a:xfrm>
-            <a:off x="2874274" y="2671065"/>
+            <a:off x="2874274" y="3042001"/>
             <a:ext cx="1383889" cy="400110"/>
           </a:xfrm>
           <a:prstGeom prst="rect">
@@ -7092,7 +7092,7 @@
         </p:nvSpPr>
         <p:spPr>
           <a:xfrm>
-            <a:off x="2972660" y="3192391"/>
+            <a:off x="2972660" y="3563327"/>
             <a:ext cx="3279197" cy="1378070"/>
           </a:xfrm>
           <a:prstGeom prst="rect">
@@ -7382,7 +7382,7 @@
         </p:nvSpPr>
         <p:spPr>
           <a:xfrm>
-            <a:off x="7928374" y="2628130"/>
+            <a:off x="7229635" y="2941147"/>
             <a:ext cx="2505075" cy="2000250"/>
           </a:xfrm>
           <a:prstGeom prst="rect">
@@ -7442,7 +7442,7 @@
         </p:blipFill>
         <p:spPr>
           <a:xfrm>
-            <a:off x="8052199" y="2747193"/>
+            <a:off x="7353460" y="3060210"/>
             <a:ext cx="2266950" cy="1766888"/>
           </a:xfrm>
           <a:prstGeom prst="rect">
@@ -7459,7 +7459,7 @@
     <mc:Choice Requires="p14">
       <p:transition/>
     </mc:Choice>
-    <mc:Fallback xmlns="" xmlns:c="http://schemas.openxmlformats.org/drawingml/2006/chart" xmlns:dgm="http://schemas.openxmlformats.org/drawingml/2006/diagram" xmlns:dsp="http://schemas.microsoft.com/office/drawing/2008/diagram">
+    <mc:Fallback xmlns:dsp="http://schemas.microsoft.com/office/drawing/2008/diagram" xmlns:dgm="http://schemas.openxmlformats.org/drawingml/2006/diagram" xmlns:c="http://schemas.openxmlformats.org/drawingml/2006/chart" xmlns="">
       <p:transition/>
     </mc:Fallback>
   </mc:AlternateContent>
@@ -7709,7 +7709,7 @@
         </p:blipFill>
         <p:spPr>
           <a:xfrm>
-            <a:off x="4769542" y="2005912"/>
+            <a:off x="4861523" y="2437233"/>
             <a:ext cx="6622350" cy="3725072"/>
           </a:xfrm>
           <a:prstGeom prst="rect">
@@ -7731,7 +7731,7 @@
         </p:nvSpPr>
         <p:spPr>
           <a:xfrm>
-            <a:off x="2003519" y="5542927"/>
+            <a:off x="2095500" y="5974248"/>
             <a:ext cx="10096500" cy="714375"/>
           </a:xfrm>
           <a:prstGeom prst="rect">
@@ -7797,7 +7797,7 @@
         </p:blipFill>
         <p:spPr>
           <a:xfrm>
-            <a:off x="785322" y="2243137"/>
+            <a:off x="877303" y="2674458"/>
             <a:ext cx="2436395" cy="3000375"/>
           </a:xfrm>
           <a:prstGeom prst="rect">
@@ -7819,7 +7819,7 @@
         </p:nvSpPr>
         <p:spPr>
           <a:xfrm>
-            <a:off x="3464609" y="3552825"/>
+            <a:off x="3556590" y="3984146"/>
             <a:ext cx="819150" cy="381000"/>
           </a:xfrm>
           <a:prstGeom prst="rightArrow">
@@ -7865,7 +7865,7 @@
         </p:nvSpPr>
         <p:spPr>
           <a:xfrm>
-            <a:off x="442904" y="1205661"/>
+            <a:off x="442904" y="1489034"/>
             <a:ext cx="4787791" cy="380873"/>
           </a:xfrm>
           <a:prstGeom prst="rect">
@@ -7917,7 +7917,7 @@
     <mc:Choice Requires="p14">
       <p:transition/>
     </mc:Choice>
-    <mc:Fallback xmlns="" xmlns:c="http://schemas.openxmlformats.org/drawingml/2006/chart" xmlns:dgm="http://schemas.openxmlformats.org/drawingml/2006/diagram" xmlns:dsp="http://schemas.microsoft.com/office/drawing/2008/diagram">
+    <mc:Fallback xmlns:dsp="http://schemas.microsoft.com/office/drawing/2008/diagram" xmlns:dgm="http://schemas.openxmlformats.org/drawingml/2006/diagram" xmlns:c="http://schemas.openxmlformats.org/drawingml/2006/chart" xmlns="">
       <p:transition/>
     </mc:Fallback>
   </mc:AlternateContent>
@@ -8532,7 +8532,7 @@
               <a:defRPr/>
             </a:pPr>
             <a:r>
-              <a:rPr lang="ko-KR" altLang="en-US" sz="1200" dirty="0">
+              <a:rPr lang="ko-KR" altLang="en-US" sz="1200">
                 <a:solidFill>
                   <a:schemeClr val="tx1">
                     <a:lumMod val="50000"/>
@@ -8542,7 +8542,7 @@
                 <a:latin typeface="바탕"/>
                 <a:ea typeface="바탕"/>
               </a:rPr>
-              <a:t>최성</a:t>
+              <a:t>출처최성</a:t>
             </a:r>
             <a:r>
               <a:rPr lang="en-US" altLang="ko-KR" sz="1200" dirty="0">
@@ -8620,7 +8620,7 @@
     <mc:Choice Requires="p14">
       <p:transition/>
     </mc:Choice>
-    <mc:Fallback xmlns="" xmlns:c="http://schemas.openxmlformats.org/drawingml/2006/chart" xmlns:dgm="http://schemas.openxmlformats.org/drawingml/2006/diagram" xmlns:dsp="http://schemas.microsoft.com/office/drawing/2008/diagram">
+    <mc:Fallback xmlns:dsp="http://schemas.microsoft.com/office/drawing/2008/diagram" xmlns:dgm="http://schemas.openxmlformats.org/drawingml/2006/diagram" xmlns:c="http://schemas.openxmlformats.org/drawingml/2006/chart" xmlns="">
       <p:transition/>
     </mc:Fallback>
   </mc:AlternateContent>
@@ -9776,7 +9776,7 @@
     <mc:Choice Requires="p14">
       <p:transition/>
     </mc:Choice>
-    <mc:Fallback xmlns="" xmlns:c="http://schemas.openxmlformats.org/drawingml/2006/chart" xmlns:dgm="http://schemas.openxmlformats.org/drawingml/2006/diagram" xmlns:dsp="http://schemas.microsoft.com/office/drawing/2008/diagram">
+    <mc:Fallback xmlns:dsp="http://schemas.microsoft.com/office/drawing/2008/diagram" xmlns:dgm="http://schemas.openxmlformats.org/drawingml/2006/diagram" xmlns:c="http://schemas.openxmlformats.org/drawingml/2006/chart" xmlns="">
       <p:transition/>
     </mc:Fallback>
   </mc:AlternateContent>
@@ -10647,7 +10647,7 @@
     <mc:Choice Requires="p14">
       <p:transition/>
     </mc:Choice>
-    <mc:Fallback xmlns="" xmlns:c="http://schemas.openxmlformats.org/drawingml/2006/chart" xmlns:dgm="http://schemas.openxmlformats.org/drawingml/2006/diagram" xmlns:dsp="http://schemas.microsoft.com/office/drawing/2008/diagram">
+    <mc:Fallback xmlns:dsp="http://schemas.microsoft.com/office/drawing/2008/diagram" xmlns:dgm="http://schemas.openxmlformats.org/drawingml/2006/diagram" xmlns:c="http://schemas.openxmlformats.org/drawingml/2006/chart" xmlns="">
       <p:transition/>
     </mc:Fallback>
   </mc:AlternateContent>

--- a/200402/2020.04.02.pptx
+++ b/200402/2020.04.02.pptx
@@ -3574,7 +3574,7 @@
     <mc:Choice Requires="p14">
       <p:transition/>
     </mc:Choice>
-    <mc:Fallback xmlns="" xmlns:c="http://schemas.openxmlformats.org/drawingml/2006/chart" xmlns:dgm="http://schemas.openxmlformats.org/drawingml/2006/diagram" xmlns:dsp="http://schemas.microsoft.com/office/drawing/2008/diagram">
+    <mc:Fallback xmlns:dsp="http://schemas.microsoft.com/office/drawing/2008/diagram" xmlns:dgm="http://schemas.openxmlformats.org/drawingml/2006/diagram" xmlns:c="http://schemas.openxmlformats.org/drawingml/2006/chart" xmlns="">
       <p:transition/>
     </mc:Fallback>
   </mc:AlternateContent>
@@ -4445,7 +4445,7 @@
     <mc:Choice Requires="p14">
       <p:transition/>
     </mc:Choice>
-    <mc:Fallback xmlns="" xmlns:c="http://schemas.openxmlformats.org/drawingml/2006/chart" xmlns:dgm="http://schemas.openxmlformats.org/drawingml/2006/diagram" xmlns:dsp="http://schemas.microsoft.com/office/drawing/2008/diagram">
+    <mc:Fallback xmlns:dsp="http://schemas.microsoft.com/office/drawing/2008/diagram" xmlns:dgm="http://schemas.openxmlformats.org/drawingml/2006/diagram" xmlns:c="http://schemas.openxmlformats.org/drawingml/2006/chart" xmlns="">
       <p:transition/>
     </mc:Fallback>
   </mc:AlternateContent>
@@ -5274,7 +5274,7 @@
     <mc:Choice Requires="p14">
       <p:transition/>
     </mc:Choice>
-    <mc:Fallback xmlns="" xmlns:c="http://schemas.openxmlformats.org/drawingml/2006/chart" xmlns:dgm="http://schemas.openxmlformats.org/drawingml/2006/diagram" xmlns:dsp="http://schemas.microsoft.com/office/drawing/2008/diagram">
+    <mc:Fallback xmlns:dsp="http://schemas.microsoft.com/office/drawing/2008/diagram" xmlns:dgm="http://schemas.openxmlformats.org/drawingml/2006/diagram" xmlns:c="http://schemas.openxmlformats.org/drawingml/2006/chart" xmlns="">
       <p:transition/>
     </mc:Fallback>
   </mc:AlternateContent>
@@ -5961,7 +5961,7 @@
     <mc:Choice Requires="p14">
       <p:transition/>
     </mc:Choice>
-    <mc:Fallback xmlns="" xmlns:c="http://schemas.openxmlformats.org/drawingml/2006/chart" xmlns:dgm="http://schemas.openxmlformats.org/drawingml/2006/diagram" xmlns:dsp="http://schemas.microsoft.com/office/drawing/2008/diagram">
+    <mc:Fallback xmlns:dsp="http://schemas.microsoft.com/office/drawing/2008/diagram" xmlns:dgm="http://schemas.openxmlformats.org/drawingml/2006/diagram" xmlns:c="http://schemas.openxmlformats.org/drawingml/2006/chart" xmlns="">
       <p:transition/>
     </mc:Fallback>
   </mc:AlternateContent>
@@ -6116,7 +6116,7 @@
     <mc:Choice Requires="p14">
       <p:transition/>
     </mc:Choice>
-    <mc:Fallback xmlns="" xmlns:c="http://schemas.openxmlformats.org/drawingml/2006/chart" xmlns:dgm="http://schemas.openxmlformats.org/drawingml/2006/diagram" xmlns:dsp="http://schemas.microsoft.com/office/drawing/2008/diagram">
+    <mc:Fallback xmlns:dsp="http://schemas.microsoft.com/office/drawing/2008/diagram" xmlns:dgm="http://schemas.openxmlformats.org/drawingml/2006/diagram" xmlns:c="http://schemas.openxmlformats.org/drawingml/2006/chart" xmlns="">
       <p:transition/>
     </mc:Fallback>
   </mc:AlternateContent>
@@ -6793,7 +6793,7 @@
     <mc:Choice Requires="p14">
       <p:transition/>
     </mc:Choice>
-    <mc:Fallback xmlns="" xmlns:c="http://schemas.openxmlformats.org/drawingml/2006/chart" xmlns:dgm="http://schemas.openxmlformats.org/drawingml/2006/diagram" xmlns:dsp="http://schemas.microsoft.com/office/drawing/2008/diagram">
+    <mc:Fallback xmlns:dsp="http://schemas.microsoft.com/office/drawing/2008/diagram" xmlns:dgm="http://schemas.openxmlformats.org/drawingml/2006/diagram" xmlns:c="http://schemas.openxmlformats.org/drawingml/2006/chart" xmlns="">
       <p:transition/>
     </mc:Fallback>
   </mc:AlternateContent>
@@ -7170,7 +7170,7 @@
     <mc:Choice Requires="p14">
       <p:transition/>
     </mc:Choice>
-    <mc:Fallback xmlns="" xmlns:c="http://schemas.openxmlformats.org/drawingml/2006/chart" xmlns:dgm="http://schemas.openxmlformats.org/drawingml/2006/diagram" xmlns:dsp="http://schemas.microsoft.com/office/drawing/2008/diagram">
+    <mc:Fallback xmlns:dsp="http://schemas.microsoft.com/office/drawing/2008/diagram" xmlns:dgm="http://schemas.openxmlformats.org/drawingml/2006/diagram" xmlns:c="http://schemas.openxmlformats.org/drawingml/2006/chart" xmlns="">
       <p:transition/>
     </mc:Fallback>
   </mc:AlternateContent>
@@ -7604,7 +7604,7 @@
     <mc:Choice Requires="p14">
       <p:transition/>
     </mc:Choice>
-    <mc:Fallback xmlns="" xmlns:c="http://schemas.openxmlformats.org/drawingml/2006/chart" xmlns:dgm="http://schemas.openxmlformats.org/drawingml/2006/diagram" xmlns:dsp="http://schemas.microsoft.com/office/drawing/2008/diagram">
+    <mc:Fallback xmlns:dsp="http://schemas.microsoft.com/office/drawing/2008/diagram" xmlns:dgm="http://schemas.openxmlformats.org/drawingml/2006/diagram" xmlns:c="http://schemas.openxmlformats.org/drawingml/2006/chart" xmlns="">
       <p:transition/>
     </mc:Fallback>
   </mc:AlternateContent>
@@ -7851,7 +7851,7 @@
     <mc:Choice Requires="p14">
       <p:transition/>
     </mc:Choice>
-    <mc:Fallback xmlns="" xmlns:c="http://schemas.openxmlformats.org/drawingml/2006/chart" xmlns:dgm="http://schemas.openxmlformats.org/drawingml/2006/diagram" xmlns:dsp="http://schemas.microsoft.com/office/drawing/2008/diagram">
+    <mc:Fallback xmlns:dsp="http://schemas.microsoft.com/office/drawing/2008/diagram" xmlns:dgm="http://schemas.openxmlformats.org/drawingml/2006/diagram" xmlns:c="http://schemas.openxmlformats.org/drawingml/2006/chart" xmlns="">
       <p:transition/>
     </mc:Fallback>
   </mc:AlternateContent>
@@ -8453,7 +8453,7 @@
     <mc:Choice Requires="p14">
       <p:transition/>
     </mc:Choice>
-    <mc:Fallback xmlns="" xmlns:c="http://schemas.openxmlformats.org/drawingml/2006/chart" xmlns:dgm="http://schemas.openxmlformats.org/drawingml/2006/diagram" xmlns:dsp="http://schemas.microsoft.com/office/drawing/2008/diagram">
+    <mc:Fallback xmlns:dsp="http://schemas.microsoft.com/office/drawing/2008/diagram" xmlns:dgm="http://schemas.openxmlformats.org/drawingml/2006/diagram" xmlns:c="http://schemas.openxmlformats.org/drawingml/2006/chart" xmlns="">
       <p:transition/>
     </mc:Fallback>
   </mc:AlternateContent>
@@ -8897,6 +8897,42 @@
           </a:p>
         </p:txBody>
       </p:sp>
+      <p:pic>
+        <p:nvPicPr>
+          <p:cNvPr id="4" name="그림 3">
+            <a:extLst>
+              <a:ext uri="{FF2B5EF4-FFF2-40B4-BE49-F238E27FC236}">
+                <a16:creationId xmlns:a16="http://schemas.microsoft.com/office/drawing/2014/main" id="{8D3B60B5-0709-4B46-890D-37581806AEF2}"/>
+              </a:ext>
+            </a:extLst>
+          </p:cNvPr>
+          <p:cNvPicPr>
+            <a:picLocks noChangeAspect="1"/>
+          </p:cNvPicPr>
+          <p:nvPr/>
+        </p:nvPicPr>
+        <p:blipFill>
+          <a:blip r:embed="rId6">
+            <a:extLst>
+              <a:ext uri="{28A0092B-C50C-407E-A947-70E740481C1C}">
+                <a14:useLocalDpi xmlns:a14="http://schemas.microsoft.com/office/drawing/2010/main" val="0"/>
+              </a:ext>
+            </a:extLst>
+          </a:blip>
+          <a:stretch>
+            <a:fillRect/>
+          </a:stretch>
+        </p:blipFill>
+        <p:spPr>
+          <a:xfrm>
+            <a:off x="6548527" y="1355620"/>
+            <a:ext cx="3390900" cy="647700"/>
+          </a:xfrm>
+          <a:prstGeom prst="rect">
+            <a:avLst/>
+          </a:prstGeom>
+        </p:spPr>
+      </p:pic>
     </p:spTree>
     <p:extLst>
       <p:ext uri="{BB962C8B-B14F-4D97-AF65-F5344CB8AC3E}">
@@ -8911,7 +8947,7 @@
     <mc:Choice Requires="p14">
       <p:transition/>
     </mc:Choice>
-    <mc:Fallback xmlns="" xmlns:c="http://schemas.openxmlformats.org/drawingml/2006/chart" xmlns:dgm="http://schemas.openxmlformats.org/drawingml/2006/diagram" xmlns:dsp="http://schemas.microsoft.com/office/drawing/2008/diagram">
+    <mc:Fallback xmlns:dsp="http://schemas.microsoft.com/office/drawing/2008/diagram" xmlns:dgm="http://schemas.openxmlformats.org/drawingml/2006/diagram" xmlns:c="http://schemas.openxmlformats.org/drawingml/2006/chart" xmlns="">
       <p:transition/>
     </mc:Fallback>
   </mc:AlternateContent>
@@ -9640,7 +9676,7 @@
     <mc:Choice Requires="p14">
       <p:transition/>
     </mc:Choice>
-    <mc:Fallback xmlns="" xmlns:c="http://schemas.openxmlformats.org/drawingml/2006/chart" xmlns:dgm="http://schemas.openxmlformats.org/drawingml/2006/diagram" xmlns:dsp="http://schemas.microsoft.com/office/drawing/2008/diagram">
+    <mc:Fallback xmlns:dsp="http://schemas.microsoft.com/office/drawing/2008/diagram" xmlns:dgm="http://schemas.openxmlformats.org/drawingml/2006/diagram" xmlns:c="http://schemas.openxmlformats.org/drawingml/2006/chart" xmlns="">
       <p:transition/>
     </mc:Fallback>
   </mc:AlternateContent>
@@ -10796,7 +10832,7 @@
     <mc:Choice Requires="p14">
       <p:transition/>
     </mc:Choice>
-    <mc:Fallback xmlns="" xmlns:c="http://schemas.openxmlformats.org/drawingml/2006/chart" xmlns:dgm="http://schemas.openxmlformats.org/drawingml/2006/diagram" xmlns:dsp="http://schemas.microsoft.com/office/drawing/2008/diagram">
+    <mc:Fallback xmlns:dsp="http://schemas.microsoft.com/office/drawing/2008/diagram" xmlns:dgm="http://schemas.openxmlformats.org/drawingml/2006/diagram" xmlns:c="http://schemas.openxmlformats.org/drawingml/2006/chart" xmlns="">
       <p:transition/>
     </mc:Fallback>
   </mc:AlternateContent>

--- a/200402/2020.04.02.pptx
+++ b/200402/2020.04.02.pptx
@@ -12,12 +12,13 @@
     <p:sldId id="299" r:id="rId6"/>
     <p:sldId id="257" r:id="rId7"/>
     <p:sldId id="284" r:id="rId8"/>
-    <p:sldId id="295" r:id="rId9"/>
-    <p:sldId id="272" r:id="rId10"/>
-    <p:sldId id="297" r:id="rId11"/>
-    <p:sldId id="298" r:id="rId12"/>
-    <p:sldId id="296" r:id="rId13"/>
-    <p:sldId id="260" r:id="rId14"/>
+    <p:sldId id="300" r:id="rId9"/>
+    <p:sldId id="295" r:id="rId10"/>
+    <p:sldId id="272" r:id="rId11"/>
+    <p:sldId id="297" r:id="rId12"/>
+    <p:sldId id="298" r:id="rId13"/>
+    <p:sldId id="296" r:id="rId14"/>
+    <p:sldId id="260" r:id="rId15"/>
   </p:sldIdLst>
   <p:sldSz cx="12192000" cy="6858000"/>
   <p:notesSz cx="6858000" cy="9144000"/>
@@ -3574,7 +3575,7 @@
     <mc:Choice Requires="p14">
       <p:transition/>
     </mc:Choice>
-    <mc:Fallback xmlns:dsp="http://schemas.microsoft.com/office/drawing/2008/diagram" xmlns:dgm="http://schemas.openxmlformats.org/drawingml/2006/diagram" xmlns:c="http://schemas.openxmlformats.org/drawingml/2006/chart" xmlns="">
+    <mc:Fallback xmlns="" xmlns:c="http://schemas.openxmlformats.org/drawingml/2006/chart" xmlns:dgm="http://schemas.openxmlformats.org/drawingml/2006/diagram" xmlns:dsp="http://schemas.microsoft.com/office/drawing/2008/diagram">
       <p:transition/>
     </mc:Fallback>
   </mc:AlternateContent>
@@ -3582,6 +3583,1162 @@
 </file>
 
 <file path=ppt/slides/slide10.xml><?xml version="1.0" encoding="utf-8"?>
+<p:sld xmlns:a="http://schemas.openxmlformats.org/drawingml/2006/main" xmlns:r="http://schemas.openxmlformats.org/officeDocument/2006/relationships" xmlns:p="http://schemas.openxmlformats.org/presentationml/2006/main">
+  <p:cSld>
+    <p:spTree>
+      <p:nvGrpSpPr>
+        <p:cNvPr id="1" name=""/>
+        <p:cNvGrpSpPr/>
+        <p:nvPr/>
+      </p:nvGrpSpPr>
+      <p:grpSpPr>
+        <a:xfrm>
+          <a:off x="0" y="0"/>
+          <a:ext cx="0" cy="0"/>
+          <a:chOff x="0" y="0"/>
+          <a:chExt cx="0" cy="0"/>
+        </a:xfrm>
+      </p:grpSpPr>
+      <p:pic>
+        <p:nvPicPr>
+          <p:cNvPr id="23" name="그림 22">
+            <a:extLst>
+              <a:ext uri="{FF2B5EF4-FFF2-40B4-BE49-F238E27FC236}">
+                <a16:creationId xmlns:a16="http://schemas.microsoft.com/office/drawing/2014/main" id="{53ECF4F8-89BF-463A-8E17-97113B1B9C65}"/>
+              </a:ext>
+            </a:extLst>
+          </p:cNvPr>
+          <p:cNvPicPr>
+            <a:picLocks noChangeAspect="1"/>
+          </p:cNvPicPr>
+          <p:nvPr/>
+        </p:nvPicPr>
+        <p:blipFill>
+          <a:blip r:embed="rId2" cstate="print">
+            <a:extLst>
+              <a:ext uri="{28A0092B-C50C-407E-A947-70E740481C1C}">
+                <a14:useLocalDpi xmlns:a14="http://schemas.microsoft.com/office/drawing/2010/main" val="0"/>
+              </a:ext>
+            </a:extLst>
+          </a:blip>
+          <a:stretch>
+            <a:fillRect/>
+          </a:stretch>
+        </p:blipFill>
+        <p:spPr>
+          <a:xfrm>
+            <a:off x="8910638" y="2027477"/>
+            <a:ext cx="3248088" cy="2372264"/>
+          </a:xfrm>
+          <a:prstGeom prst="rect">
+            <a:avLst/>
+          </a:prstGeom>
+        </p:spPr>
+      </p:pic>
+      <p:pic>
+        <p:nvPicPr>
+          <p:cNvPr id="16" name="그림 15">
+            <a:extLst>
+              <a:ext uri="{FF2B5EF4-FFF2-40B4-BE49-F238E27FC236}">
+                <a16:creationId xmlns:a16="http://schemas.microsoft.com/office/drawing/2014/main" id="{EB1973A4-D4F7-47F2-A2AF-0AFEDF16AEAE}"/>
+              </a:ext>
+            </a:extLst>
+          </p:cNvPr>
+          <p:cNvPicPr>
+            <a:picLocks noChangeAspect="1"/>
+          </p:cNvPicPr>
+          <p:nvPr/>
+        </p:nvPicPr>
+        <p:blipFill>
+          <a:blip r:embed="rId3" cstate="print">
+            <a:extLst>
+              <a:ext uri="{28A0092B-C50C-407E-A947-70E740481C1C}">
+                <a14:useLocalDpi xmlns:a14="http://schemas.microsoft.com/office/drawing/2010/main" val="0"/>
+              </a:ext>
+            </a:extLst>
+          </a:blip>
+          <a:stretch>
+            <a:fillRect/>
+          </a:stretch>
+        </p:blipFill>
+        <p:spPr>
+          <a:xfrm>
+            <a:off x="3604083" y="2057999"/>
+            <a:ext cx="5343695" cy="2650055"/>
+          </a:xfrm>
+          <a:prstGeom prst="rect">
+            <a:avLst/>
+          </a:prstGeom>
+        </p:spPr>
+      </p:pic>
+      <p:sp>
+        <p:nvSpPr>
+          <p:cNvPr id="4914" name="직사각형 4913"/>
+          <p:cNvSpPr/>
+          <p:nvPr/>
+        </p:nvSpPr>
+        <p:spPr>
+          <a:xfrm>
+            <a:off x="0" y="0"/>
+            <a:ext cx="12192000" cy="914400"/>
+          </a:xfrm>
+          <a:prstGeom prst="rect">
+            <a:avLst/>
+          </a:prstGeom>
+          <a:gradFill flip="none" rotWithShape="1">
+            <a:gsLst>
+              <a:gs pos="43000">
+                <a:srgbClr val="EA637C"/>
+              </a:gs>
+              <a:gs pos="0">
+                <a:schemeClr val="accent1"/>
+              </a:gs>
+              <a:gs pos="100000">
+                <a:schemeClr val="accent3"/>
+              </a:gs>
+            </a:gsLst>
+            <a:lin ang="0" scaled="1"/>
+            <a:tileRect/>
+          </a:gradFill>
+          <a:ln>
+            <a:noFill/>
+          </a:ln>
+        </p:spPr>
+        <p:style>
+          <a:lnRef idx="2">
+            <a:schemeClr val="accent1">
+              <a:shade val="50000"/>
+            </a:schemeClr>
+          </a:lnRef>
+          <a:fillRef idx="1">
+            <a:schemeClr val="accent1"/>
+          </a:fillRef>
+          <a:effectRef idx="0">
+            <a:schemeClr val="accent1"/>
+          </a:effectRef>
+          <a:fontRef idx="minor">
+            <a:schemeClr val="lt1"/>
+          </a:fontRef>
+        </p:style>
+        <p:txBody>
+          <a:bodyPr anchor="ctr"/>
+          <a:lstStyle/>
+          <a:p>
+            <a:pPr algn="ctr">
+              <a:defRPr/>
+            </a:pPr>
+            <a:endParaRPr lang="ko-KR" altLang="en-US"/>
+          </a:p>
+        </p:txBody>
+      </p:sp>
+      <p:sp>
+        <p:nvSpPr>
+          <p:cNvPr id="13" name="타원 12"/>
+          <p:cNvSpPr/>
+          <p:nvPr/>
+        </p:nvSpPr>
+        <p:spPr>
+          <a:xfrm>
+            <a:off x="320031" y="1208584"/>
+            <a:ext cx="631437" cy="631437"/>
+          </a:xfrm>
+          <a:prstGeom prst="ellipse">
+            <a:avLst/>
+          </a:prstGeom>
+          <a:ln>
+            <a:noFill/>
+          </a:ln>
+        </p:spPr>
+        <p:style>
+          <a:lnRef idx="2">
+            <a:schemeClr val="accent1">
+              <a:shade val="50000"/>
+            </a:schemeClr>
+          </a:lnRef>
+          <a:fillRef idx="1">
+            <a:schemeClr val="accent1"/>
+          </a:fillRef>
+          <a:effectRef idx="0">
+            <a:schemeClr val="accent1"/>
+          </a:effectRef>
+          <a:fontRef idx="minor">
+            <a:schemeClr val="lt1"/>
+          </a:fontRef>
+        </p:style>
+        <p:txBody>
+          <a:bodyPr anchor="ctr"/>
+          <a:lstStyle/>
+          <a:p>
+            <a:pPr algn="ctr">
+              <a:defRPr/>
+            </a:pPr>
+            <a:r>
+              <a:rPr lang="en-US" altLang="ko-KR" sz="1400" b="1" dirty="0">
+                <a:ln w="9525">
+                  <a:solidFill>
+                    <a:schemeClr val="bg1">
+                      <a:alpha val="30000"/>
+                    </a:schemeClr>
+                  </a:solidFill>
+                </a:ln>
+                <a:latin typeface="바탕"/>
+                <a:ea typeface="바탕"/>
+              </a:rPr>
+              <a:t>03</a:t>
+            </a:r>
+            <a:endParaRPr lang="ko-KR" altLang="en-US" sz="1400" b="1" dirty="0">
+              <a:ln w="9525">
+                <a:solidFill>
+                  <a:schemeClr val="bg1">
+                    <a:alpha val="30000"/>
+                  </a:schemeClr>
+                </a:solidFill>
+              </a:ln>
+              <a:latin typeface="바탕"/>
+              <a:ea typeface="바탕"/>
+            </a:endParaRPr>
+          </a:p>
+        </p:txBody>
+      </p:sp>
+      <p:sp>
+        <p:nvSpPr>
+          <p:cNvPr id="14" name="TextBox 13"/>
+          <p:cNvSpPr txBox="1"/>
+          <p:nvPr/>
+        </p:nvSpPr>
+        <p:spPr>
+          <a:xfrm>
+            <a:off x="1020479" y="1657889"/>
+            <a:ext cx="3622688" cy="316690"/>
+          </a:xfrm>
+          <a:prstGeom prst="rect">
+            <a:avLst/>
+          </a:prstGeom>
+          <a:noFill/>
+        </p:spPr>
+        <p:txBody>
+          <a:bodyPr wrap="square" anchor="b">
+            <a:spAutoFit/>
+          </a:bodyPr>
+          <a:lstStyle/>
+          <a:p>
+            <a:pPr>
+              <a:lnSpc>
+                <a:spcPct val="120000"/>
+              </a:lnSpc>
+              <a:defRPr/>
+            </a:pPr>
+            <a:r>
+              <a:rPr lang="en-US" altLang="ko-KR" sz="1400" dirty="0">
+                <a:solidFill>
+                  <a:schemeClr val="bg1">
+                    <a:lumMod val="65000"/>
+                  </a:schemeClr>
+                </a:solidFill>
+                <a:latin typeface="바탕" panose="02030600000101010101" pitchFamily="18" charset="-127"/>
+                <a:ea typeface="바탕" panose="02030600000101010101" pitchFamily="18" charset="-127"/>
+                <a:hlinkClick r:id="rId4">
+                  <a:extLst>
+                    <a:ext uri="{A12FA001-AC4F-418D-AE19-62706E023703}">
+                      <ahyp:hlinkClr xmlns:ahyp="http://schemas.microsoft.com/office/drawing/2018/hyperlinkcolor" val="tx"/>
+                    </a:ext>
+                  </a:extLst>
+                </a:hlinkClick>
+              </a:rPr>
+              <a:t>http://samsung-dsrecruit.com/index.php</a:t>
+            </a:r>
+            <a:endParaRPr lang="en-US" altLang="ko-KR" sz="1400" dirty="0">
+              <a:solidFill>
+                <a:schemeClr val="bg1">
+                  <a:lumMod val="65000"/>
+                </a:schemeClr>
+              </a:solidFill>
+              <a:latin typeface="바탕" panose="02030600000101010101" pitchFamily="18" charset="-127"/>
+              <a:ea typeface="바탕" panose="02030600000101010101" pitchFamily="18" charset="-127"/>
+            </a:endParaRPr>
+          </a:p>
+        </p:txBody>
+      </p:sp>
+      <p:sp>
+        <p:nvSpPr>
+          <p:cNvPr id="15" name="TextBox 14"/>
+          <p:cNvSpPr txBox="1"/>
+          <p:nvPr/>
+        </p:nvSpPr>
+        <p:spPr>
+          <a:xfrm>
+            <a:off x="761686" y="1323276"/>
+            <a:ext cx="5874174" cy="400110"/>
+          </a:xfrm>
+          <a:prstGeom prst="rect">
+            <a:avLst/>
+          </a:prstGeom>
+          <a:noFill/>
+        </p:spPr>
+        <p:txBody>
+          <a:bodyPr wrap="square">
+            <a:spAutoFit/>
+          </a:bodyPr>
+          <a:lstStyle/>
+          <a:p>
+            <a:pPr algn="ctr">
+              <a:defRPr/>
+            </a:pPr>
+            <a:r>
+              <a:rPr lang="en-US" altLang="ko-KR" sz="2000" b="1" dirty="0">
+                <a:ln w="9525">
+                  <a:solidFill>
+                    <a:schemeClr val="accent1">
+                      <a:alpha val="30000"/>
+                    </a:schemeClr>
+                  </a:solidFill>
+                </a:ln>
+                <a:gradFill flip="none" rotWithShape="1">
+                  <a:gsLst>
+                    <a:gs pos="0">
+                      <a:schemeClr val="accent4"/>
+                    </a:gs>
+                    <a:gs pos="63000">
+                      <a:schemeClr val="accent1"/>
+                    </a:gs>
+                  </a:gsLst>
+                  <a:path path="circle">
+                    <a:fillToRect r="100000" b="100000"/>
+                  </a:path>
+                  <a:tileRect l="-100000" t="-100000"/>
+                </a:gradFill>
+                <a:latin typeface="바탕"/>
+                <a:ea typeface="바탕"/>
+              </a:rPr>
+              <a:t>(</a:t>
+            </a:r>
+            <a:r>
+              <a:rPr lang="ko-KR" altLang="en-US" sz="2000" b="1" dirty="0">
+                <a:ln w="9525">
+                  <a:solidFill>
+                    <a:schemeClr val="accent1">
+                      <a:alpha val="30000"/>
+                    </a:schemeClr>
+                  </a:solidFill>
+                </a:ln>
+                <a:gradFill flip="none" rotWithShape="1">
+                  <a:gsLst>
+                    <a:gs pos="0">
+                      <a:schemeClr val="accent4"/>
+                    </a:gs>
+                    <a:gs pos="63000">
+                      <a:schemeClr val="accent1"/>
+                    </a:gs>
+                  </a:gsLst>
+                  <a:path path="circle">
+                    <a:fillToRect r="100000" b="100000"/>
+                  </a:path>
+                  <a:tileRect l="-100000" t="-100000"/>
+                </a:gradFill>
+                <a:latin typeface="바탕"/>
+                <a:ea typeface="바탕"/>
+              </a:rPr>
+              <a:t>삼성에 관심 있으신 분들께</a:t>
+            </a:r>
+            <a:r>
+              <a:rPr lang="en-US" altLang="ko-KR" sz="2000" b="1" dirty="0">
+                <a:ln w="9525">
+                  <a:solidFill>
+                    <a:schemeClr val="accent1">
+                      <a:alpha val="30000"/>
+                    </a:schemeClr>
+                  </a:solidFill>
+                </a:ln>
+                <a:gradFill flip="none" rotWithShape="1">
+                  <a:gsLst>
+                    <a:gs pos="0">
+                      <a:schemeClr val="accent4"/>
+                    </a:gs>
+                    <a:gs pos="63000">
+                      <a:schemeClr val="accent1"/>
+                    </a:gs>
+                  </a:gsLst>
+                  <a:path path="circle">
+                    <a:fillToRect r="100000" b="100000"/>
+                  </a:path>
+                  <a:tileRect l="-100000" t="-100000"/>
+                </a:gradFill>
+                <a:latin typeface="바탕"/>
+                <a:ea typeface="바탕"/>
+              </a:rPr>
+              <a:t>..) </a:t>
+            </a:r>
+            <a:r>
+              <a:rPr lang="ko-KR" altLang="en-US" sz="2000" b="1" dirty="0">
+                <a:ln w="9525">
+                  <a:solidFill>
+                    <a:schemeClr val="accent1">
+                      <a:alpha val="30000"/>
+                    </a:schemeClr>
+                  </a:solidFill>
+                </a:ln>
+                <a:gradFill flip="none" rotWithShape="1">
+                  <a:gsLst>
+                    <a:gs pos="0">
+                      <a:schemeClr val="accent4"/>
+                    </a:gs>
+                    <a:gs pos="63000">
+                      <a:schemeClr val="accent1"/>
+                    </a:gs>
+                  </a:gsLst>
+                  <a:path path="circle">
+                    <a:fillToRect r="100000" b="100000"/>
+                  </a:path>
+                  <a:tileRect l="-100000" t="-100000"/>
+                </a:gradFill>
+                <a:latin typeface="바탕"/>
+                <a:ea typeface="바탕"/>
+              </a:rPr>
+              <a:t>아주 좋은</a:t>
+            </a:r>
+            <a:r>
+              <a:rPr lang="en-US" altLang="ko-KR" sz="2000" b="1" dirty="0">
+                <a:ln w="9525">
+                  <a:solidFill>
+                    <a:schemeClr val="accent1">
+                      <a:alpha val="30000"/>
+                    </a:schemeClr>
+                  </a:solidFill>
+                </a:ln>
+                <a:gradFill flip="none" rotWithShape="1">
+                  <a:gsLst>
+                    <a:gs pos="0">
+                      <a:schemeClr val="accent4"/>
+                    </a:gs>
+                    <a:gs pos="63000">
+                      <a:schemeClr val="accent1"/>
+                    </a:gs>
+                  </a:gsLst>
+                  <a:path path="circle">
+                    <a:fillToRect r="100000" b="100000"/>
+                  </a:path>
+                  <a:tileRect l="-100000" t="-100000"/>
+                </a:gradFill>
+                <a:latin typeface="바탕"/>
+                <a:ea typeface="바탕"/>
+              </a:rPr>
+              <a:t>.. </a:t>
+            </a:r>
+            <a:r>
+              <a:rPr lang="ko-KR" altLang="en-US" sz="2000" b="1" dirty="0">
+                <a:ln w="9525">
+                  <a:solidFill>
+                    <a:schemeClr val="accent1">
+                      <a:alpha val="30000"/>
+                    </a:schemeClr>
+                  </a:solidFill>
+                </a:ln>
+                <a:gradFill flip="none" rotWithShape="1">
+                  <a:gsLst>
+                    <a:gs pos="0">
+                      <a:schemeClr val="accent4"/>
+                    </a:gs>
+                    <a:gs pos="63000">
+                      <a:schemeClr val="accent1"/>
+                    </a:gs>
+                  </a:gsLst>
+                  <a:path path="circle">
+                    <a:fillToRect r="100000" b="100000"/>
+                  </a:path>
+                  <a:tileRect l="-100000" t="-100000"/>
+                </a:gradFill>
+                <a:latin typeface="바탕"/>
+                <a:ea typeface="바탕"/>
+              </a:rPr>
+              <a:t>정보</a:t>
+            </a:r>
+          </a:p>
+        </p:txBody>
+      </p:sp>
+      <mc:AlternateContent xmlns:mc="http://schemas.openxmlformats.org/markup-compatibility/2006" xmlns:p14="http://schemas.microsoft.com/office/powerpoint/2010/main">
+        <mc:Choice Requires="p14">
+          <p:contentPart p14:bwMode="auto" r:id="rId5">
+            <p14:nvContentPartPr>
+              <p14:cNvPr id="10" name="잉크 9">
+                <a:extLst>
+                  <a:ext uri="{FF2B5EF4-FFF2-40B4-BE49-F238E27FC236}">
+                    <a16:creationId xmlns:a16="http://schemas.microsoft.com/office/drawing/2014/main" id="{ABCF400C-DFD4-4673-A983-BAB493103927}"/>
+                  </a:ext>
+                </a:extLst>
+              </p14:cNvPr>
+              <p14:cNvContentPartPr/>
+              <p14:nvPr/>
+            </p14:nvContentPartPr>
+            <p14:xfrm>
+              <a:off x="3850428" y="5371018"/>
+              <a:ext cx="109440" cy="75960"/>
+            </p14:xfrm>
+          </p:contentPart>
+        </mc:Choice>
+        <mc:Fallback xmlns="">
+          <p:pic>
+            <p:nvPicPr>
+              <p:cNvPr id="10" name="잉크 9">
+                <a:extLst>
+                  <a:ext uri="{FF2B5EF4-FFF2-40B4-BE49-F238E27FC236}">
+                    <a16:creationId xmlns:a16="http://schemas.microsoft.com/office/drawing/2014/main" id="{ABCF400C-DFD4-4673-A983-BAB493103927}"/>
+                  </a:ext>
+                </a:extLst>
+              </p:cNvPr>
+              <p:cNvPicPr/>
+              <p:nvPr/>
+            </p:nvPicPr>
+            <p:blipFill>
+              <a:blip r:embed="rId6"/>
+              <a:stretch>
+                <a:fillRect/>
+              </a:stretch>
+            </p:blipFill>
+            <p:spPr>
+              <a:xfrm>
+                <a:off x="3846108" y="5366698"/>
+                <a:ext cx="118080" cy="84600"/>
+              </a:xfrm>
+              <a:prstGeom prst="rect">
+                <a:avLst/>
+              </a:prstGeom>
+            </p:spPr>
+          </p:pic>
+        </mc:Fallback>
+      </mc:AlternateContent>
+      <p:sp>
+        <p:nvSpPr>
+          <p:cNvPr id="8" name="TextBox 7">
+            <a:extLst>
+              <a:ext uri="{FF2B5EF4-FFF2-40B4-BE49-F238E27FC236}">
+                <a16:creationId xmlns:a16="http://schemas.microsoft.com/office/drawing/2014/main" id="{88181A70-39DC-4A07-9BF5-A9364E2A8597}"/>
+              </a:ext>
+            </a:extLst>
+          </p:cNvPr>
+          <p:cNvSpPr txBox="1"/>
+          <p:nvPr/>
+        </p:nvSpPr>
+        <p:spPr>
+          <a:xfrm>
+            <a:off x="3281363" y="455203"/>
+            <a:ext cx="5629275" cy="412870"/>
+          </a:xfrm>
+          <a:prstGeom prst="rect">
+            <a:avLst/>
+          </a:prstGeom>
+          <a:noFill/>
+        </p:spPr>
+        <p:txBody>
+          <a:bodyPr wrap="square">
+            <a:spAutoFit/>
+          </a:bodyPr>
+          <a:lstStyle/>
+          <a:p>
+            <a:pPr algn="dist">
+              <a:lnSpc>
+                <a:spcPct val="120000"/>
+              </a:lnSpc>
+              <a:defRPr/>
+            </a:pPr>
+            <a:r>
+              <a:rPr lang="en-US" altLang="ko-KR" sz="2000" dirty="0">
+                <a:ln w="9525">
+                  <a:solidFill>
+                    <a:schemeClr val="bg1">
+                      <a:alpha val="30000"/>
+                    </a:schemeClr>
+                  </a:solidFill>
+                </a:ln>
+                <a:solidFill>
+                  <a:schemeClr val="bg1"/>
+                </a:solidFill>
+                <a:latin typeface="바탕"/>
+                <a:ea typeface="바탕"/>
+              </a:rPr>
+              <a:t>2020.03.26(</a:t>
+            </a:r>
+            <a:r>
+              <a:rPr lang="ko-KR" altLang="en-US" sz="2000" dirty="0">
+                <a:ln w="9525">
+                  <a:solidFill>
+                    <a:schemeClr val="bg1">
+                      <a:alpha val="30000"/>
+                    </a:schemeClr>
+                  </a:solidFill>
+                </a:ln>
+                <a:solidFill>
+                  <a:schemeClr val="bg1"/>
+                </a:solidFill>
+                <a:latin typeface="바탕"/>
+                <a:ea typeface="바탕"/>
+              </a:rPr>
+              <a:t>목</a:t>
+            </a:r>
+            <a:r>
+              <a:rPr lang="en-US" altLang="ko-KR" sz="2000" dirty="0">
+                <a:ln w="9525">
+                  <a:solidFill>
+                    <a:schemeClr val="bg1">
+                      <a:alpha val="30000"/>
+                    </a:schemeClr>
+                  </a:solidFill>
+                </a:ln>
+                <a:solidFill>
+                  <a:schemeClr val="bg1"/>
+                </a:solidFill>
+                <a:latin typeface="바탕"/>
+                <a:ea typeface="바탕"/>
+              </a:rPr>
+              <a:t>)~2020.04.01(</a:t>
+            </a:r>
+            <a:r>
+              <a:rPr lang="ko-KR" altLang="en-US" sz="2000" dirty="0">
+                <a:ln w="9525">
+                  <a:solidFill>
+                    <a:schemeClr val="bg1">
+                      <a:alpha val="30000"/>
+                    </a:schemeClr>
+                  </a:solidFill>
+                </a:ln>
+                <a:solidFill>
+                  <a:schemeClr val="bg1"/>
+                </a:solidFill>
+                <a:latin typeface="바탕"/>
+                <a:ea typeface="바탕"/>
+              </a:rPr>
+              <a:t>수</a:t>
+            </a:r>
+            <a:r>
+              <a:rPr lang="en-US" altLang="ko-KR" sz="2000" dirty="0">
+                <a:ln w="9525">
+                  <a:solidFill>
+                    <a:schemeClr val="bg1">
+                      <a:alpha val="30000"/>
+                    </a:schemeClr>
+                  </a:solidFill>
+                </a:ln>
+                <a:solidFill>
+                  <a:schemeClr val="bg1"/>
+                </a:solidFill>
+                <a:latin typeface="바탕"/>
+                <a:ea typeface="바탕"/>
+              </a:rPr>
+              <a:t>)</a:t>
+            </a:r>
+            <a:endParaRPr lang="ko-KR" altLang="en-US" sz="2000" dirty="0">
+              <a:ln w="9525">
+                <a:solidFill>
+                  <a:schemeClr val="bg1">
+                    <a:alpha val="30000"/>
+                  </a:schemeClr>
+                </a:solidFill>
+              </a:ln>
+              <a:solidFill>
+                <a:schemeClr val="bg1"/>
+              </a:solidFill>
+              <a:latin typeface="바탕"/>
+              <a:ea typeface="바탕"/>
+            </a:endParaRPr>
+          </a:p>
+        </p:txBody>
+      </p:sp>
+      <p:pic>
+        <p:nvPicPr>
+          <p:cNvPr id="3" name="그림 2">
+            <a:extLst>
+              <a:ext uri="{FF2B5EF4-FFF2-40B4-BE49-F238E27FC236}">
+                <a16:creationId xmlns:a16="http://schemas.microsoft.com/office/drawing/2014/main" id="{18AA477F-6F7A-4083-AC6D-B7FF336768B5}"/>
+              </a:ext>
+            </a:extLst>
+          </p:cNvPr>
+          <p:cNvPicPr>
+            <a:picLocks noChangeAspect="1"/>
+          </p:cNvPicPr>
+          <p:nvPr/>
+        </p:nvPicPr>
+        <p:blipFill>
+          <a:blip r:embed="rId7" cstate="print">
+            <a:extLst>
+              <a:ext uri="{28A0092B-C50C-407E-A947-70E740481C1C}">
+                <a14:useLocalDpi xmlns:a14="http://schemas.microsoft.com/office/drawing/2010/main" val="0"/>
+              </a:ext>
+            </a:extLst>
+          </a:blip>
+          <a:stretch>
+            <a:fillRect/>
+          </a:stretch>
+        </p:blipFill>
+        <p:spPr>
+          <a:xfrm>
+            <a:off x="0" y="2057999"/>
+            <a:ext cx="3622688" cy="1510326"/>
+          </a:xfrm>
+          <a:prstGeom prst="rect">
+            <a:avLst/>
+          </a:prstGeom>
+        </p:spPr>
+      </p:pic>
+      <p:pic>
+        <p:nvPicPr>
+          <p:cNvPr id="5" name="그림 4">
+            <a:extLst>
+              <a:ext uri="{FF2B5EF4-FFF2-40B4-BE49-F238E27FC236}">
+                <a16:creationId xmlns:a16="http://schemas.microsoft.com/office/drawing/2014/main" id="{67CF7F69-5D3A-4A90-B474-87B730D720D6}"/>
+              </a:ext>
+            </a:extLst>
+          </p:cNvPr>
+          <p:cNvPicPr>
+            <a:picLocks noChangeAspect="1"/>
+          </p:cNvPicPr>
+          <p:nvPr/>
+        </p:nvPicPr>
+        <p:blipFill>
+          <a:blip r:embed="rId8" cstate="print">
+            <a:extLst>
+              <a:ext uri="{28A0092B-C50C-407E-A947-70E740481C1C}">
+                <a14:useLocalDpi xmlns:a14="http://schemas.microsoft.com/office/drawing/2010/main" val="0"/>
+              </a:ext>
+            </a:extLst>
+          </a:blip>
+          <a:stretch>
+            <a:fillRect/>
+          </a:stretch>
+        </p:blipFill>
+        <p:spPr>
+          <a:xfrm>
+            <a:off x="0" y="3568325"/>
+            <a:ext cx="3418626" cy="1510326"/>
+          </a:xfrm>
+          <a:prstGeom prst="rect">
+            <a:avLst/>
+          </a:prstGeom>
+        </p:spPr>
+      </p:pic>
+      <p:pic>
+        <p:nvPicPr>
+          <p:cNvPr id="7" name="그림 6">
+            <a:extLst>
+              <a:ext uri="{FF2B5EF4-FFF2-40B4-BE49-F238E27FC236}">
+                <a16:creationId xmlns:a16="http://schemas.microsoft.com/office/drawing/2014/main" id="{67000A38-BDEE-43B4-A004-32E60B9266B0}"/>
+              </a:ext>
+            </a:extLst>
+          </p:cNvPr>
+          <p:cNvPicPr>
+            <a:picLocks noChangeAspect="1"/>
+          </p:cNvPicPr>
+          <p:nvPr/>
+        </p:nvPicPr>
+        <p:blipFill>
+          <a:blip r:embed="rId9" cstate="print">
+            <a:extLst>
+              <a:ext uri="{28A0092B-C50C-407E-A947-70E740481C1C}">
+                <a14:useLocalDpi xmlns:a14="http://schemas.microsoft.com/office/drawing/2010/main" val="0"/>
+              </a:ext>
+            </a:extLst>
+          </a:blip>
+          <a:stretch>
+            <a:fillRect/>
+          </a:stretch>
+        </p:blipFill>
+        <p:spPr>
+          <a:xfrm>
+            <a:off x="0" y="5078651"/>
+            <a:ext cx="3418626" cy="1629810"/>
+          </a:xfrm>
+          <a:prstGeom prst="rect">
+            <a:avLst/>
+          </a:prstGeom>
+        </p:spPr>
+      </p:pic>
+      <p:cxnSp>
+        <p:nvCxnSpPr>
+          <p:cNvPr id="11" name="직선 연결선 10">
+            <a:extLst>
+              <a:ext uri="{FF2B5EF4-FFF2-40B4-BE49-F238E27FC236}">
+                <a16:creationId xmlns:a16="http://schemas.microsoft.com/office/drawing/2014/main" id="{CEDE8536-FAAD-4DF0-867D-510C837F4065}"/>
+              </a:ext>
+            </a:extLst>
+          </p:cNvPr>
+          <p:cNvCxnSpPr>
+            <a:cxnSpLocks/>
+          </p:cNvCxnSpPr>
+          <p:nvPr/>
+        </p:nvCxnSpPr>
+        <p:spPr>
+          <a:xfrm>
+            <a:off x="3550144" y="2120397"/>
+            <a:ext cx="18605" cy="4601901"/>
+          </a:xfrm>
+          <a:prstGeom prst="line">
+            <a:avLst/>
+          </a:prstGeom>
+        </p:spPr>
+        <p:style>
+          <a:lnRef idx="1">
+            <a:schemeClr val="accent1"/>
+          </a:lnRef>
+          <a:fillRef idx="0">
+            <a:schemeClr val="accent1"/>
+          </a:fillRef>
+          <a:effectRef idx="0">
+            <a:schemeClr val="accent1"/>
+          </a:effectRef>
+          <a:fontRef idx="minor">
+            <a:schemeClr val="tx1"/>
+          </a:fontRef>
+        </p:style>
+      </p:cxnSp>
+      <p:pic>
+        <p:nvPicPr>
+          <p:cNvPr id="20" name="그림 19">
+            <a:extLst>
+              <a:ext uri="{FF2B5EF4-FFF2-40B4-BE49-F238E27FC236}">
+                <a16:creationId xmlns:a16="http://schemas.microsoft.com/office/drawing/2014/main" id="{A3C03F1D-7F56-43D7-B513-D6EDC4D833EB}"/>
+              </a:ext>
+            </a:extLst>
+          </p:cNvPr>
+          <p:cNvPicPr>
+            <a:picLocks noChangeAspect="1"/>
+          </p:cNvPicPr>
+          <p:nvPr/>
+        </p:nvPicPr>
+        <p:blipFill>
+          <a:blip r:embed="rId10" cstate="print">
+            <a:extLst>
+              <a:ext uri="{28A0092B-C50C-407E-A947-70E740481C1C}">
+                <a14:useLocalDpi xmlns:a14="http://schemas.microsoft.com/office/drawing/2010/main" val="0"/>
+              </a:ext>
+            </a:extLst>
+          </a:blip>
+          <a:stretch>
+            <a:fillRect/>
+          </a:stretch>
+        </p:blipFill>
+        <p:spPr>
+          <a:xfrm>
+            <a:off x="3905148" y="4873115"/>
+            <a:ext cx="4741567" cy="1694844"/>
+          </a:xfrm>
+          <a:prstGeom prst="rect">
+            <a:avLst/>
+          </a:prstGeom>
+        </p:spPr>
+      </p:pic>
+      <p:cxnSp>
+        <p:nvCxnSpPr>
+          <p:cNvPr id="22" name="직선 연결선 21">
+            <a:extLst>
+              <a:ext uri="{FF2B5EF4-FFF2-40B4-BE49-F238E27FC236}">
+                <a16:creationId xmlns:a16="http://schemas.microsoft.com/office/drawing/2014/main" id="{78BF8916-1743-4500-8587-498978035F93}"/>
+              </a:ext>
+            </a:extLst>
+          </p:cNvPr>
+          <p:cNvCxnSpPr>
+            <a:cxnSpLocks/>
+          </p:cNvCxnSpPr>
+          <p:nvPr/>
+        </p:nvCxnSpPr>
+        <p:spPr>
+          <a:xfrm>
+            <a:off x="8928357" y="2027477"/>
+            <a:ext cx="19421" cy="4540482"/>
+          </a:xfrm>
+          <a:prstGeom prst="line">
+            <a:avLst/>
+          </a:prstGeom>
+        </p:spPr>
+        <p:style>
+          <a:lnRef idx="1">
+            <a:schemeClr val="accent1"/>
+          </a:lnRef>
+          <a:fillRef idx="0">
+            <a:schemeClr val="accent1"/>
+          </a:fillRef>
+          <a:effectRef idx="0">
+            <a:schemeClr val="accent1"/>
+          </a:effectRef>
+          <a:fontRef idx="minor">
+            <a:schemeClr val="tx1"/>
+          </a:fontRef>
+        </p:style>
+      </p:cxnSp>
+      <p:pic>
+        <p:nvPicPr>
+          <p:cNvPr id="25" name="그림 24">
+            <a:extLst>
+              <a:ext uri="{FF2B5EF4-FFF2-40B4-BE49-F238E27FC236}">
+                <a16:creationId xmlns:a16="http://schemas.microsoft.com/office/drawing/2014/main" id="{0DD30BB1-2106-4CD2-873E-D72A70C39AD8}"/>
+              </a:ext>
+            </a:extLst>
+          </p:cNvPr>
+          <p:cNvPicPr>
+            <a:picLocks noChangeAspect="1"/>
+          </p:cNvPicPr>
+          <p:nvPr/>
+        </p:nvPicPr>
+        <p:blipFill>
+          <a:blip r:embed="rId11" cstate="print">
+            <a:extLst>
+              <a:ext uri="{28A0092B-C50C-407E-A947-70E740481C1C}">
+                <a14:useLocalDpi xmlns:a14="http://schemas.microsoft.com/office/drawing/2010/main" val="0"/>
+              </a:ext>
+            </a:extLst>
+          </a:blip>
+          <a:stretch>
+            <a:fillRect/>
+          </a:stretch>
+        </p:blipFill>
+        <p:spPr>
+          <a:xfrm>
+            <a:off x="9055964" y="4399741"/>
+            <a:ext cx="3013181" cy="2372264"/>
+          </a:xfrm>
+          <a:prstGeom prst="rect">
+            <a:avLst/>
+          </a:prstGeom>
+        </p:spPr>
+      </p:pic>
+      <p:sp>
+        <p:nvSpPr>
+          <p:cNvPr id="27" name="TextBox 26">
+            <a:extLst>
+              <a:ext uri="{FF2B5EF4-FFF2-40B4-BE49-F238E27FC236}">
+                <a16:creationId xmlns:a16="http://schemas.microsoft.com/office/drawing/2014/main" id="{413CB585-397A-4EDE-95A5-04392A1452D5}"/>
+              </a:ext>
+            </a:extLst>
+          </p:cNvPr>
+          <p:cNvSpPr txBox="1"/>
+          <p:nvPr/>
+        </p:nvSpPr>
+        <p:spPr>
+          <a:xfrm>
+            <a:off x="1371551" y="5893556"/>
+            <a:ext cx="2179549" cy="332783"/>
+          </a:xfrm>
+          <a:prstGeom prst="rect">
+            <a:avLst/>
+          </a:prstGeom>
+          <a:noFill/>
+        </p:spPr>
+        <p:txBody>
+          <a:bodyPr wrap="square" anchor="b">
+            <a:spAutoFit/>
+          </a:bodyPr>
+          <a:lstStyle/>
+          <a:p>
+            <a:pPr>
+              <a:lnSpc>
+                <a:spcPct val="120000"/>
+              </a:lnSpc>
+              <a:defRPr/>
+            </a:pPr>
+            <a:r>
+              <a:rPr lang="ko-KR" altLang="en-US" sz="1500" b="1" dirty="0">
+                <a:latin typeface="바탕"/>
+                <a:ea typeface="바탕"/>
+              </a:rPr>
+              <a:t>사업부 종류</a:t>
+            </a:r>
+            <a:r>
+              <a:rPr lang="en-US" altLang="ko-KR" sz="1500" b="1" dirty="0">
+                <a:latin typeface="바탕"/>
+                <a:ea typeface="바탕"/>
+              </a:rPr>
+              <a:t>,,, </a:t>
+            </a:r>
+            <a:r>
+              <a:rPr lang="ko-KR" altLang="en-US" sz="1500" b="1" dirty="0">
+                <a:latin typeface="바탕"/>
+                <a:ea typeface="바탕"/>
+              </a:rPr>
+              <a:t>및 소개</a:t>
+            </a:r>
+            <a:r>
+              <a:rPr lang="en-US" altLang="ko-KR" sz="1500" b="1" dirty="0">
+                <a:latin typeface="바탕"/>
+                <a:ea typeface="바탕"/>
+              </a:rPr>
+              <a:t>,,</a:t>
+            </a:r>
+          </a:p>
+        </p:txBody>
+      </p:sp>
+      <p:sp>
+        <p:nvSpPr>
+          <p:cNvPr id="28" name="TextBox 27">
+            <a:extLst>
+              <a:ext uri="{FF2B5EF4-FFF2-40B4-BE49-F238E27FC236}">
+                <a16:creationId xmlns:a16="http://schemas.microsoft.com/office/drawing/2014/main" id="{3FD4D7BF-5E55-464B-8267-D72C46B3A809}"/>
+              </a:ext>
+            </a:extLst>
+          </p:cNvPr>
+          <p:cNvSpPr txBox="1"/>
+          <p:nvPr/>
+        </p:nvSpPr>
+        <p:spPr>
+          <a:xfrm>
+            <a:off x="6335932" y="3429000"/>
+            <a:ext cx="1591744" cy="332783"/>
+          </a:xfrm>
+          <a:prstGeom prst="rect">
+            <a:avLst/>
+          </a:prstGeom>
+          <a:noFill/>
+        </p:spPr>
+        <p:txBody>
+          <a:bodyPr wrap="square" anchor="b">
+            <a:spAutoFit/>
+          </a:bodyPr>
+          <a:lstStyle/>
+          <a:p>
+            <a:pPr>
+              <a:lnSpc>
+                <a:spcPct val="120000"/>
+              </a:lnSpc>
+              <a:defRPr/>
+            </a:pPr>
+            <a:r>
+              <a:rPr lang="ko-KR" altLang="en-US" sz="1500" b="1" dirty="0">
+                <a:latin typeface="바탕"/>
+                <a:ea typeface="바탕"/>
+              </a:rPr>
+              <a:t>직무 종류 소개</a:t>
+            </a:r>
+            <a:r>
+              <a:rPr lang="en-US" altLang="ko-KR" sz="1500" b="1" dirty="0">
+                <a:latin typeface="바탕"/>
+                <a:ea typeface="바탕"/>
+              </a:rPr>
+              <a:t>,,</a:t>
+            </a:r>
+          </a:p>
+        </p:txBody>
+      </p:sp>
+      <p:cxnSp>
+        <p:nvCxnSpPr>
+          <p:cNvPr id="29" name="직선 연결선 28">
+            <a:extLst>
+              <a:ext uri="{FF2B5EF4-FFF2-40B4-BE49-F238E27FC236}">
+                <a16:creationId xmlns:a16="http://schemas.microsoft.com/office/drawing/2014/main" id="{B3B251F0-6D7B-4B8C-9A18-665109870DBD}"/>
+              </a:ext>
+            </a:extLst>
+          </p:cNvPr>
+          <p:cNvCxnSpPr>
+            <a:cxnSpLocks/>
+          </p:cNvCxnSpPr>
+          <p:nvPr/>
+        </p:nvCxnSpPr>
+        <p:spPr>
+          <a:xfrm>
+            <a:off x="3550144" y="4873115"/>
+            <a:ext cx="5379099" cy="0"/>
+          </a:xfrm>
+          <a:prstGeom prst="line">
+            <a:avLst/>
+          </a:prstGeom>
+        </p:spPr>
+        <p:style>
+          <a:lnRef idx="1">
+            <a:schemeClr val="accent1"/>
+          </a:lnRef>
+          <a:fillRef idx="0">
+            <a:schemeClr val="accent1"/>
+          </a:fillRef>
+          <a:effectRef idx="0">
+            <a:schemeClr val="accent1"/>
+          </a:effectRef>
+          <a:fontRef idx="minor">
+            <a:schemeClr val="tx1"/>
+          </a:fontRef>
+        </p:style>
+      </p:cxnSp>
+      <p:sp>
+        <p:nvSpPr>
+          <p:cNvPr id="31" name="TextBox 30">
+            <a:extLst>
+              <a:ext uri="{FF2B5EF4-FFF2-40B4-BE49-F238E27FC236}">
+                <a16:creationId xmlns:a16="http://schemas.microsoft.com/office/drawing/2014/main" id="{617E7C6E-DD47-4F9A-924B-2A87F21093FE}"/>
+              </a:ext>
+            </a:extLst>
+          </p:cNvPr>
+          <p:cNvSpPr txBox="1"/>
+          <p:nvPr/>
+        </p:nvSpPr>
+        <p:spPr>
+          <a:xfrm>
+            <a:off x="5840901" y="4983895"/>
+            <a:ext cx="3034440" cy="609782"/>
+          </a:xfrm>
+          <a:prstGeom prst="rect">
+            <a:avLst/>
+          </a:prstGeom>
+          <a:noFill/>
+        </p:spPr>
+        <p:txBody>
+          <a:bodyPr wrap="square" anchor="b">
+            <a:spAutoFit/>
+          </a:bodyPr>
+          <a:lstStyle/>
+          <a:p>
+            <a:pPr>
+              <a:lnSpc>
+                <a:spcPct val="120000"/>
+              </a:lnSpc>
+              <a:defRPr/>
+            </a:pPr>
+            <a:r>
+              <a:rPr lang="ko-KR" altLang="en-US" sz="1500" b="1" dirty="0">
+                <a:latin typeface="바탕"/>
+                <a:ea typeface="바탕"/>
+              </a:rPr>
+              <a:t>직무 별</a:t>
+            </a:r>
+            <a:r>
+              <a:rPr lang="en-US" altLang="ko-KR" sz="1500" b="1" dirty="0">
+                <a:latin typeface="바탕"/>
+                <a:ea typeface="바탕"/>
+              </a:rPr>
+              <a:t>, </a:t>
+            </a:r>
+            <a:r>
+              <a:rPr lang="ko-KR" altLang="en-US" sz="1500" b="1" dirty="0">
+                <a:latin typeface="바탕"/>
+                <a:ea typeface="바탕"/>
+              </a:rPr>
+              <a:t>사업부 별 자세한  역할소개</a:t>
+            </a:r>
+            <a:r>
+              <a:rPr lang="en-US" altLang="ko-KR" sz="1500" b="1" dirty="0">
+                <a:latin typeface="바탕"/>
+                <a:ea typeface="바탕"/>
+              </a:rPr>
+              <a:t>,,</a:t>
+            </a:r>
+          </a:p>
+        </p:txBody>
+      </p:sp>
+    </p:spTree>
+    <p:extLst>
+      <p:ext uri="{BB962C8B-B14F-4D97-AF65-F5344CB8AC3E}">
+        <p14:creationId xmlns:p14="http://schemas.microsoft.com/office/powerpoint/2010/main" val="3420224254"/>
+      </p:ext>
+    </p:extLst>
+  </p:cSld>
+  <p:clrMapOvr>
+    <a:masterClrMapping/>
+  </p:clrMapOvr>
+  <mc:AlternateContent xmlns:mc="http://schemas.openxmlformats.org/markup-compatibility/2006" xmlns:p14="http://schemas.microsoft.com/office/powerpoint/2010/main">
+    <mc:Choice Requires="p14">
+      <p:transition/>
+    </mc:Choice>
+    <mc:Fallback xmlns="" xmlns:c="http://schemas.openxmlformats.org/drawingml/2006/chart" xmlns:dgm="http://schemas.openxmlformats.org/drawingml/2006/diagram" xmlns:dsp="http://schemas.microsoft.com/office/drawing/2008/diagram">
+      <p:transition/>
+    </mc:Fallback>
+  </mc:AlternateContent>
+</p:sld>
+</file>
+
+<file path=ppt/slides/slide11.xml><?xml version="1.0" encoding="utf-8"?>
 <p:sld xmlns:a="http://schemas.openxmlformats.org/drawingml/2006/main" xmlns:r="http://schemas.openxmlformats.org/officeDocument/2006/relationships" xmlns:p="http://schemas.openxmlformats.org/presentationml/2006/main">
   <p:cSld>
     <p:spTree>
@@ -4445,14 +5602,14 @@
     <mc:Choice Requires="p14">
       <p:transition/>
     </mc:Choice>
-    <mc:Fallback xmlns:dsp="http://schemas.microsoft.com/office/drawing/2008/diagram" xmlns:dgm="http://schemas.openxmlformats.org/drawingml/2006/diagram" xmlns:c="http://schemas.openxmlformats.org/drawingml/2006/chart" xmlns="">
+    <mc:Fallback xmlns="" xmlns:c="http://schemas.openxmlformats.org/drawingml/2006/chart" xmlns:dgm="http://schemas.openxmlformats.org/drawingml/2006/diagram" xmlns:dsp="http://schemas.microsoft.com/office/drawing/2008/diagram">
       <p:transition/>
     </mc:Fallback>
   </mc:AlternateContent>
 </p:sld>
 </file>
 
-<file path=ppt/slides/slide11.xml><?xml version="1.0" encoding="utf-8"?>
+<file path=ppt/slides/slide12.xml><?xml version="1.0" encoding="utf-8"?>
 <p:sld xmlns:a="http://schemas.openxmlformats.org/drawingml/2006/main" xmlns:r="http://schemas.openxmlformats.org/officeDocument/2006/relationships" xmlns:p="http://schemas.openxmlformats.org/presentationml/2006/main">
   <p:cSld>
     <p:spTree>
@@ -5274,14 +6431,14 @@
     <mc:Choice Requires="p14">
       <p:transition/>
     </mc:Choice>
-    <mc:Fallback xmlns:dsp="http://schemas.microsoft.com/office/drawing/2008/diagram" xmlns:dgm="http://schemas.openxmlformats.org/drawingml/2006/diagram" xmlns:c="http://schemas.openxmlformats.org/drawingml/2006/chart" xmlns="">
+    <mc:Fallback xmlns="" xmlns:c="http://schemas.openxmlformats.org/drawingml/2006/chart" xmlns:dgm="http://schemas.openxmlformats.org/drawingml/2006/diagram" xmlns:dsp="http://schemas.microsoft.com/office/drawing/2008/diagram">
       <p:transition/>
     </mc:Fallback>
   </mc:AlternateContent>
 </p:sld>
 </file>
 
-<file path=ppt/slides/slide12.xml><?xml version="1.0" encoding="utf-8"?>
+<file path=ppt/slides/slide13.xml><?xml version="1.0" encoding="utf-8"?>
 <p:sld xmlns:a="http://schemas.openxmlformats.org/drawingml/2006/main" xmlns:r="http://schemas.openxmlformats.org/officeDocument/2006/relationships" xmlns:p="http://schemas.openxmlformats.org/presentationml/2006/main">
   <p:cSld>
     <p:spTree>
@@ -5541,7 +6698,59 @@
                 <a:latin typeface="바탕"/>
                 <a:ea typeface="바탕"/>
               </a:rPr>
-              <a:t>자동제어 </a:t>
+              <a:t>자동제어</a:t>
+            </a:r>
+            <a:r>
+              <a:rPr lang="en-US" altLang="ko-KR" dirty="0">
+                <a:solidFill>
+                  <a:schemeClr val="tx1">
+                    <a:lumMod val="50000"/>
+                    <a:lumOff val="50000"/>
+                  </a:schemeClr>
+                </a:solidFill>
+                <a:latin typeface="바탕"/>
+                <a:ea typeface="바탕"/>
+              </a:rPr>
+              <a:t>(</a:t>
+            </a:r>
+            <a:r>
+              <a:rPr lang="ko-KR" altLang="en-US" dirty="0">
+                <a:solidFill>
+                  <a:schemeClr val="tx1">
+                    <a:lumMod val="50000"/>
+                    <a:lumOff val="50000"/>
+                  </a:schemeClr>
+                </a:solidFill>
+                <a:latin typeface="바탕"/>
+                <a:ea typeface="바탕"/>
+              </a:rPr>
+              <a:t>퀴즈 공부</a:t>
+            </a:r>
+            <a:r>
+              <a:rPr lang="en-US" altLang="ko-KR" dirty="0">
+                <a:solidFill>
+                  <a:schemeClr val="tx1">
+                    <a:lumMod val="50000"/>
+                    <a:lumOff val="50000"/>
+                  </a:schemeClr>
+                </a:solidFill>
+                <a:latin typeface="바탕"/>
+                <a:ea typeface="바탕"/>
+              </a:rPr>
+              <a:t>)</a:t>
+            </a:r>
+            <a:r>
+              <a:rPr lang="ko-KR" altLang="en-US" dirty="0">
+                <a:solidFill>
+                  <a:schemeClr val="tx1">
+                    <a:lumMod val="50000"/>
+                    <a:lumOff val="50000"/>
+                  </a:schemeClr>
+                </a:solidFill>
+                <a:latin typeface="바탕"/>
+                <a:ea typeface="바탕"/>
+              </a:rPr>
+              <a:t> </a:t>
             </a:r>
             <a:r>
               <a:rPr lang="en-US" altLang="ko-KR" dirty="0">
@@ -5961,14 +7170,14 @@
     <mc:Choice Requires="p14">
       <p:transition/>
     </mc:Choice>
-    <mc:Fallback xmlns:dsp="http://schemas.microsoft.com/office/drawing/2008/diagram" xmlns:dgm="http://schemas.openxmlformats.org/drawingml/2006/diagram" xmlns:c="http://schemas.openxmlformats.org/drawingml/2006/chart" xmlns="">
+    <mc:Fallback xmlns="" xmlns:c="http://schemas.openxmlformats.org/drawingml/2006/chart" xmlns:dgm="http://schemas.openxmlformats.org/drawingml/2006/diagram" xmlns:dsp="http://schemas.microsoft.com/office/drawing/2008/diagram">
       <p:transition/>
     </mc:Fallback>
   </mc:AlternateContent>
 </p:sld>
 </file>
 
-<file path=ppt/slides/slide13.xml><?xml version="1.0" encoding="utf-8"?>
+<file path=ppt/slides/slide14.xml><?xml version="1.0" encoding="utf-8"?>
 <p:sld xmlns:a="http://schemas.openxmlformats.org/drawingml/2006/main" xmlns:r="http://schemas.openxmlformats.org/officeDocument/2006/relationships" xmlns:p="http://schemas.openxmlformats.org/presentationml/2006/main">
   <p:cSld>
     <p:spTree>
@@ -6116,7 +7325,7 @@
     <mc:Choice Requires="p14">
       <p:transition/>
     </mc:Choice>
-    <mc:Fallback xmlns:dsp="http://schemas.microsoft.com/office/drawing/2008/diagram" xmlns:dgm="http://schemas.openxmlformats.org/drawingml/2006/diagram" xmlns:c="http://schemas.openxmlformats.org/drawingml/2006/chart" xmlns="">
+    <mc:Fallback xmlns="" xmlns:c="http://schemas.openxmlformats.org/drawingml/2006/chart" xmlns:dgm="http://schemas.openxmlformats.org/drawingml/2006/diagram" xmlns:dsp="http://schemas.microsoft.com/office/drawing/2008/diagram">
       <p:transition/>
     </mc:Fallback>
   </mc:AlternateContent>
@@ -6793,7 +8002,7 @@
     <mc:Choice Requires="p14">
       <p:transition/>
     </mc:Choice>
-    <mc:Fallback xmlns:dsp="http://schemas.microsoft.com/office/drawing/2008/diagram" xmlns:dgm="http://schemas.openxmlformats.org/drawingml/2006/diagram" xmlns:c="http://schemas.openxmlformats.org/drawingml/2006/chart" xmlns="">
+    <mc:Fallback xmlns="" xmlns:c="http://schemas.openxmlformats.org/drawingml/2006/chart" xmlns:dgm="http://schemas.openxmlformats.org/drawingml/2006/diagram" xmlns:dsp="http://schemas.microsoft.com/office/drawing/2008/diagram">
       <p:transition/>
     </mc:Fallback>
   </mc:AlternateContent>
@@ -7170,7 +8379,7 @@
     <mc:Choice Requires="p14">
       <p:transition/>
     </mc:Choice>
-    <mc:Fallback xmlns:dsp="http://schemas.microsoft.com/office/drawing/2008/diagram" xmlns:dgm="http://schemas.openxmlformats.org/drawingml/2006/diagram" xmlns:c="http://schemas.openxmlformats.org/drawingml/2006/chart" xmlns="">
+    <mc:Fallback xmlns="" xmlns:c="http://schemas.openxmlformats.org/drawingml/2006/chart" xmlns:dgm="http://schemas.openxmlformats.org/drawingml/2006/diagram" xmlns:dsp="http://schemas.microsoft.com/office/drawing/2008/diagram">
       <p:transition/>
     </mc:Fallback>
   </mc:AlternateContent>
@@ -7604,7 +8813,7 @@
     <mc:Choice Requires="p14">
       <p:transition/>
     </mc:Choice>
-    <mc:Fallback xmlns:dsp="http://schemas.microsoft.com/office/drawing/2008/diagram" xmlns:dgm="http://schemas.openxmlformats.org/drawingml/2006/diagram" xmlns:c="http://schemas.openxmlformats.org/drawingml/2006/chart" xmlns="">
+    <mc:Fallback xmlns="" xmlns:c="http://schemas.openxmlformats.org/drawingml/2006/chart" xmlns:dgm="http://schemas.openxmlformats.org/drawingml/2006/diagram" xmlns:dsp="http://schemas.microsoft.com/office/drawing/2008/diagram">
       <p:transition/>
     </mc:Fallback>
   </mc:AlternateContent>
@@ -7851,7 +9060,7 @@
     <mc:Choice Requires="p14">
       <p:transition/>
     </mc:Choice>
-    <mc:Fallback xmlns:dsp="http://schemas.microsoft.com/office/drawing/2008/diagram" xmlns:dgm="http://schemas.openxmlformats.org/drawingml/2006/diagram" xmlns:c="http://schemas.openxmlformats.org/drawingml/2006/chart" xmlns="">
+    <mc:Fallback xmlns="" xmlns:c="http://schemas.openxmlformats.org/drawingml/2006/chart" xmlns:dgm="http://schemas.openxmlformats.org/drawingml/2006/diagram" xmlns:dsp="http://schemas.microsoft.com/office/drawing/2008/diagram">
       <p:transition/>
     </mc:Fallback>
   </mc:AlternateContent>
@@ -8453,7 +9662,7 @@
     <mc:Choice Requires="p14">
       <p:transition/>
     </mc:Choice>
-    <mc:Fallback xmlns:dsp="http://schemas.microsoft.com/office/drawing/2008/diagram" xmlns:dgm="http://schemas.openxmlformats.org/drawingml/2006/diagram" xmlns:c="http://schemas.openxmlformats.org/drawingml/2006/chart" xmlns="">
+    <mc:Fallback xmlns="" xmlns:c="http://schemas.openxmlformats.org/drawingml/2006/chart" xmlns:dgm="http://schemas.openxmlformats.org/drawingml/2006/diagram" xmlns:dsp="http://schemas.microsoft.com/office/drawing/2008/diagram">
       <p:transition/>
     </mc:Fallback>
   </mc:AlternateContent>
@@ -8947,7 +10156,7 @@
     <mc:Choice Requires="p14">
       <p:transition/>
     </mc:Choice>
-    <mc:Fallback xmlns:dsp="http://schemas.microsoft.com/office/drawing/2008/diagram" xmlns:dgm="http://schemas.openxmlformats.org/drawingml/2006/diagram" xmlns:c="http://schemas.openxmlformats.org/drawingml/2006/chart" xmlns="">
+    <mc:Fallback xmlns="" xmlns:c="http://schemas.openxmlformats.org/drawingml/2006/chart" xmlns:dgm="http://schemas.openxmlformats.org/drawingml/2006/diagram" xmlns:dsp="http://schemas.microsoft.com/office/drawing/2008/diagram">
       <p:transition/>
     </mc:Fallback>
   </mc:AlternateContent>
@@ -9307,7 +10516,7 @@
           <p:cNvPr id="3" name="그림 2">
             <a:extLst>
               <a:ext uri="{FF2B5EF4-FFF2-40B4-BE49-F238E27FC236}">
-                <a16:creationId xmlns:a16="http://schemas.microsoft.com/office/drawing/2014/main" id="{12559A15-9816-4B82-91D9-F23327BD299C}"/>
+                <a16:creationId xmlns:a16="http://schemas.microsoft.com/office/drawing/2014/main" id="{A945046A-ECCD-46DD-9D23-4464993BD35F}"/>
               </a:ext>
             </a:extLst>
           </p:cNvPr>
@@ -9330,342 +10539,18 @@
         </p:blipFill>
         <p:spPr>
           <a:xfrm>
-            <a:off x="684415" y="1142722"/>
-            <a:ext cx="3400531" cy="4819650"/>
+            <a:off x="0" y="1669569"/>
+            <a:ext cx="12192000" cy="4381500"/>
           </a:xfrm>
           <a:prstGeom prst="rect">
             <a:avLst/>
           </a:prstGeom>
         </p:spPr>
       </p:pic>
-      <p:pic>
-        <p:nvPicPr>
-          <p:cNvPr id="5" name="그림 4">
-            <a:extLst>
-              <a:ext uri="{FF2B5EF4-FFF2-40B4-BE49-F238E27FC236}">
-                <a16:creationId xmlns:a16="http://schemas.microsoft.com/office/drawing/2014/main" id="{90397637-A557-4769-8B27-3C1535A09BCB}"/>
-              </a:ext>
-            </a:extLst>
-          </p:cNvPr>
-          <p:cNvPicPr>
-            <a:picLocks noChangeAspect="1"/>
-          </p:cNvPicPr>
-          <p:nvPr/>
-        </p:nvPicPr>
-        <p:blipFill>
-          <a:blip r:embed="rId3">
-            <a:extLst>
-              <a:ext uri="{28A0092B-C50C-407E-A947-70E740481C1C}">
-                <a14:useLocalDpi xmlns:a14="http://schemas.microsoft.com/office/drawing/2010/main" val="0"/>
-              </a:ext>
-            </a:extLst>
-          </a:blip>
-          <a:stretch>
-            <a:fillRect/>
-          </a:stretch>
-        </p:blipFill>
-        <p:spPr>
-          <a:xfrm>
-            <a:off x="4029181" y="1142722"/>
-            <a:ext cx="3512061" cy="4819650"/>
-          </a:xfrm>
-          <a:prstGeom prst="rect">
-            <a:avLst/>
-          </a:prstGeom>
-        </p:spPr>
-      </p:pic>
-      <p:pic>
-        <p:nvPicPr>
-          <p:cNvPr id="8" name="그림 7">
-            <a:extLst>
-              <a:ext uri="{FF2B5EF4-FFF2-40B4-BE49-F238E27FC236}">
-                <a16:creationId xmlns:a16="http://schemas.microsoft.com/office/drawing/2014/main" id="{77226E3E-12FF-408C-A8E3-0F8CCD8BEA49}"/>
-              </a:ext>
-            </a:extLst>
-          </p:cNvPr>
-          <p:cNvPicPr>
-            <a:picLocks noChangeAspect="1"/>
-          </p:cNvPicPr>
-          <p:nvPr/>
-        </p:nvPicPr>
-        <p:blipFill>
-          <a:blip r:embed="rId4">
-            <a:extLst>
-              <a:ext uri="{28A0092B-C50C-407E-A947-70E740481C1C}">
-                <a14:useLocalDpi xmlns:a14="http://schemas.microsoft.com/office/drawing/2010/main" val="0"/>
-              </a:ext>
-            </a:extLst>
-          </a:blip>
-          <a:stretch>
-            <a:fillRect/>
-          </a:stretch>
-        </p:blipFill>
-        <p:spPr>
-          <a:xfrm>
-            <a:off x="7541242" y="1142722"/>
-            <a:ext cx="3596643" cy="4819650"/>
-          </a:xfrm>
-          <a:prstGeom prst="rect">
-            <a:avLst/>
-          </a:prstGeom>
-        </p:spPr>
-      </p:pic>
-      <p:sp>
-        <p:nvSpPr>
-          <p:cNvPr id="17" name="TextBox 16">
-            <a:extLst>
-              <a:ext uri="{FF2B5EF4-FFF2-40B4-BE49-F238E27FC236}">
-                <a16:creationId xmlns:a16="http://schemas.microsoft.com/office/drawing/2014/main" id="{60FF0D5C-0804-4D6A-BB71-BF70FDAE7F42}"/>
-              </a:ext>
-            </a:extLst>
-          </p:cNvPr>
-          <p:cNvSpPr txBox="1"/>
-          <p:nvPr/>
-        </p:nvSpPr>
-        <p:spPr>
-          <a:xfrm>
-            <a:off x="8305608" y="6180591"/>
-            <a:ext cx="3824069" cy="621965"/>
-          </a:xfrm>
-          <a:prstGeom prst="rect">
-            <a:avLst/>
-          </a:prstGeom>
-          <a:noFill/>
-        </p:spPr>
-        <p:txBody>
-          <a:bodyPr wrap="square" anchor="b">
-            <a:spAutoFit/>
-          </a:bodyPr>
-          <a:lstStyle/>
-          <a:p>
-            <a:pPr>
-              <a:lnSpc>
-                <a:spcPct val="120000"/>
-              </a:lnSpc>
-              <a:defRPr/>
-            </a:pPr>
-            <a:r>
-              <a:rPr lang="en-US" altLang="ko-KR" sz="1000" dirty="0">
-                <a:solidFill>
-                  <a:schemeClr val="bg1">
-                    <a:lumMod val="50000"/>
-                  </a:schemeClr>
-                </a:solidFill>
-                <a:latin typeface="바탕" panose="02030600000101010101" pitchFamily="18" charset="-127"/>
-                <a:ea typeface="바탕" panose="02030600000101010101" pitchFamily="18" charset="-127"/>
-                <a:hlinkClick r:id="rId5">
-                  <a:extLst>
-                    <a:ext uri="{A12FA001-AC4F-418D-AE19-62706E023703}">
-                      <ahyp:hlinkClr xmlns:ahyp="http://schemas.microsoft.com/office/drawing/2018/hyperlinkcolor" val="tx"/>
-                    </a:ext>
-                  </a:extLst>
-                </a:hlinkClick>
-              </a:rPr>
-              <a:t>http://www.riss.kr/search/detail/DetailView.do?p_mat_type=be54d9b8bc7cdb09&amp;control_no=7a2922164c3d942affe0bdc3ef48d419</a:t>
-            </a:r>
-            <a:endParaRPr lang="en-US" altLang="ko-KR" sz="1000" dirty="0">
-              <a:solidFill>
-                <a:schemeClr val="bg1">
-                  <a:lumMod val="50000"/>
-                </a:schemeClr>
-              </a:solidFill>
-              <a:latin typeface="바탕" panose="02030600000101010101" pitchFamily="18" charset="-127"/>
-              <a:ea typeface="바탕" panose="02030600000101010101" pitchFamily="18" charset="-127"/>
-            </a:endParaRPr>
-          </a:p>
-        </p:txBody>
-      </p:sp>
-      <p:sp>
-        <p:nvSpPr>
-          <p:cNvPr id="23" name="TextBox 22">
-            <a:extLst>
-              <a:ext uri="{FF2B5EF4-FFF2-40B4-BE49-F238E27FC236}">
-                <a16:creationId xmlns:a16="http://schemas.microsoft.com/office/drawing/2014/main" id="{54208329-4007-4482-89AC-E8660EF4C982}"/>
-              </a:ext>
-            </a:extLst>
-          </p:cNvPr>
-          <p:cNvSpPr txBox="1"/>
-          <p:nvPr/>
-        </p:nvSpPr>
-        <p:spPr>
-          <a:xfrm>
-            <a:off x="319079" y="1073656"/>
-            <a:ext cx="4787791" cy="390043"/>
-          </a:xfrm>
-          <a:prstGeom prst="rect">
-            <a:avLst/>
-          </a:prstGeom>
-          <a:noFill/>
-        </p:spPr>
-        <p:txBody>
-          <a:bodyPr wrap="square" anchor="b">
-            <a:spAutoFit/>
-          </a:bodyPr>
-          <a:lstStyle/>
-          <a:p>
-            <a:pPr marL="285750" indent="-285750">
-              <a:lnSpc>
-                <a:spcPct val="120000"/>
-              </a:lnSpc>
-              <a:buFont typeface="Arial" panose="020B0604020202020204" pitchFamily="34" charset="0"/>
-              <a:buChar char="•"/>
-              <a:defRPr/>
-            </a:pPr>
-            <a:r>
-              <a:rPr lang="en-US" altLang="ko-KR" dirty="0">
-                <a:solidFill>
-                  <a:schemeClr val="tx1">
-                    <a:lumMod val="50000"/>
-                    <a:lumOff val="50000"/>
-                  </a:schemeClr>
-                </a:solidFill>
-                <a:latin typeface="바탕"/>
-                <a:ea typeface="바탕"/>
-              </a:rPr>
-              <a:t>Path planning</a:t>
-            </a:r>
-          </a:p>
-        </p:txBody>
-      </p:sp>
-      <p:sp>
-        <p:nvSpPr>
-          <p:cNvPr id="4" name="TextBox 3">
-            <a:extLst>
-              <a:ext uri="{FF2B5EF4-FFF2-40B4-BE49-F238E27FC236}">
-                <a16:creationId xmlns:a16="http://schemas.microsoft.com/office/drawing/2014/main" id="{9A1A8BE0-7701-41BE-A46C-5A70B1B99D8F}"/>
-              </a:ext>
-            </a:extLst>
-          </p:cNvPr>
-          <p:cNvSpPr txBox="1"/>
-          <p:nvPr/>
-        </p:nvSpPr>
-        <p:spPr>
-          <a:xfrm>
-            <a:off x="2879015" y="6120215"/>
-            <a:ext cx="7073660" cy="941796"/>
-          </a:xfrm>
-          <a:prstGeom prst="rect">
-            <a:avLst/>
-          </a:prstGeom>
-          <a:noFill/>
-        </p:spPr>
-        <p:txBody>
-          <a:bodyPr wrap="square" rtlCol="0">
-            <a:spAutoFit/>
-          </a:bodyPr>
-          <a:lstStyle/>
-          <a:p>
-            <a:pPr algn="ctr">
-              <a:lnSpc>
-                <a:spcPct val="120000"/>
-              </a:lnSpc>
-              <a:defRPr/>
-            </a:pPr>
-            <a:r>
-              <a:rPr lang="ko-KR" altLang="en-US" sz="1200" dirty="0">
-                <a:solidFill>
-                  <a:schemeClr val="tx1">
-                    <a:lumMod val="50000"/>
-                    <a:lumOff val="50000"/>
-                  </a:schemeClr>
-                </a:solidFill>
-                <a:latin typeface="바탕"/>
-                <a:ea typeface="바탕"/>
-              </a:rPr>
-              <a:t>출처 </a:t>
-            </a:r>
-            <a:r>
-              <a:rPr lang="en-US" altLang="ko-KR" sz="1200">
-                <a:solidFill>
-                  <a:schemeClr val="tx1">
-                    <a:lumMod val="50000"/>
-                    <a:lumOff val="50000"/>
-                  </a:schemeClr>
-                </a:solidFill>
-                <a:latin typeface="바탕"/>
-                <a:ea typeface="바탕"/>
-              </a:rPr>
-              <a:t>: </a:t>
-            </a:r>
-            <a:r>
-              <a:rPr lang="ko-KR" altLang="en-US" sz="1200">
-                <a:solidFill>
-                  <a:schemeClr val="tx1">
-                    <a:lumMod val="50000"/>
-                    <a:lumOff val="50000"/>
-                  </a:schemeClr>
-                </a:solidFill>
-                <a:latin typeface="바탕"/>
-                <a:ea typeface="바탕"/>
-              </a:rPr>
-              <a:t>최성</a:t>
-            </a:r>
-            <a:r>
-              <a:rPr lang="en-US" altLang="ko-KR" sz="1200" dirty="0">
-                <a:solidFill>
-                  <a:schemeClr val="tx1">
-                    <a:lumMod val="50000"/>
-                    <a:lumOff val="50000"/>
-                  </a:schemeClr>
-                </a:solidFill>
-                <a:latin typeface="바탕"/>
-                <a:ea typeface="바탕"/>
-              </a:rPr>
-              <a:t>/An Effective Inverse Kinematic Scheme</a:t>
-            </a:r>
-          </a:p>
-          <a:p>
-            <a:pPr algn="ctr">
-              <a:lnSpc>
-                <a:spcPct val="120000"/>
-              </a:lnSpc>
-              <a:defRPr/>
-            </a:pPr>
-            <a:r>
-              <a:rPr lang="en-US" altLang="ko-KR" sz="1200" dirty="0">
-                <a:solidFill>
-                  <a:schemeClr val="tx1">
-                    <a:lumMod val="50000"/>
-                    <a:lumOff val="50000"/>
-                  </a:schemeClr>
-                </a:solidFill>
-                <a:latin typeface="바탕"/>
-                <a:ea typeface="바탕"/>
-              </a:rPr>
-              <a:t>for Parametric Path Tracking of</a:t>
-            </a:r>
-          </a:p>
-          <a:p>
-            <a:pPr algn="ctr">
-              <a:lnSpc>
-                <a:spcPct val="120000"/>
-              </a:lnSpc>
-              <a:defRPr/>
-            </a:pPr>
-            <a:r>
-              <a:rPr lang="en-US" altLang="ko-KR" sz="1200" dirty="0">
-                <a:solidFill>
-                  <a:schemeClr val="tx1">
-                    <a:lumMod val="50000"/>
-                    <a:lumOff val="50000"/>
-                  </a:schemeClr>
-                </a:solidFill>
-                <a:latin typeface="바탕"/>
-                <a:ea typeface="바탕"/>
-              </a:rPr>
-              <a:t>Industrial Robots (2008)/pp. 17 ~ 19</a:t>
-            </a:r>
-          </a:p>
-          <a:p>
-            <a:pPr algn="ctr"/>
-            <a:endParaRPr lang="ko-KR" altLang="en-US" sz="1200" dirty="0"/>
-          </a:p>
-        </p:txBody>
-      </p:sp>
     </p:spTree>
     <p:extLst>
       <p:ext uri="{BB962C8B-B14F-4D97-AF65-F5344CB8AC3E}">
-        <p14:creationId xmlns:p14="http://schemas.microsoft.com/office/powerpoint/2010/main" val="4279388725"/>
+        <p14:creationId xmlns:p14="http://schemas.microsoft.com/office/powerpoint/2010/main" val="1102242735"/>
       </p:ext>
     </p:extLst>
   </p:cSld>
@@ -9676,7 +10561,7 @@
     <mc:Choice Requires="p14">
       <p:transition/>
     </mc:Choice>
-    <mc:Fallback xmlns:dsp="http://schemas.microsoft.com/office/drawing/2008/diagram" xmlns:dgm="http://schemas.openxmlformats.org/drawingml/2006/diagram" xmlns:c="http://schemas.openxmlformats.org/drawingml/2006/chart" xmlns="">
+    <mc:Fallback xmlns="" xmlns:c="http://schemas.openxmlformats.org/drawingml/2006/chart" xmlns:dgm="http://schemas.openxmlformats.org/drawingml/2006/diagram" xmlns:dsp="http://schemas.microsoft.com/office/drawing/2008/diagram">
       <p:transition/>
     </mc:Fallback>
   </mc:AlternateContent>
@@ -9700,78 +10585,6 @@
           <a:chExt cx="0" cy="0"/>
         </a:xfrm>
       </p:grpSpPr>
-      <p:pic>
-        <p:nvPicPr>
-          <p:cNvPr id="23" name="그림 22">
-            <a:extLst>
-              <a:ext uri="{FF2B5EF4-FFF2-40B4-BE49-F238E27FC236}">
-                <a16:creationId xmlns:a16="http://schemas.microsoft.com/office/drawing/2014/main" id="{53ECF4F8-89BF-463A-8E17-97113B1B9C65}"/>
-              </a:ext>
-            </a:extLst>
-          </p:cNvPr>
-          <p:cNvPicPr>
-            <a:picLocks noChangeAspect="1"/>
-          </p:cNvPicPr>
-          <p:nvPr/>
-        </p:nvPicPr>
-        <p:blipFill>
-          <a:blip r:embed="rId2" cstate="print">
-            <a:extLst>
-              <a:ext uri="{28A0092B-C50C-407E-A947-70E740481C1C}">
-                <a14:useLocalDpi xmlns:a14="http://schemas.microsoft.com/office/drawing/2010/main" val="0"/>
-              </a:ext>
-            </a:extLst>
-          </a:blip>
-          <a:stretch>
-            <a:fillRect/>
-          </a:stretch>
-        </p:blipFill>
-        <p:spPr>
-          <a:xfrm>
-            <a:off x="8910638" y="2027477"/>
-            <a:ext cx="3248088" cy="2372264"/>
-          </a:xfrm>
-          <a:prstGeom prst="rect">
-            <a:avLst/>
-          </a:prstGeom>
-        </p:spPr>
-      </p:pic>
-      <p:pic>
-        <p:nvPicPr>
-          <p:cNvPr id="16" name="그림 15">
-            <a:extLst>
-              <a:ext uri="{FF2B5EF4-FFF2-40B4-BE49-F238E27FC236}">
-                <a16:creationId xmlns:a16="http://schemas.microsoft.com/office/drawing/2014/main" id="{EB1973A4-D4F7-47F2-A2AF-0AFEDF16AEAE}"/>
-              </a:ext>
-            </a:extLst>
-          </p:cNvPr>
-          <p:cNvPicPr>
-            <a:picLocks noChangeAspect="1"/>
-          </p:cNvPicPr>
-          <p:nvPr/>
-        </p:nvPicPr>
-        <p:blipFill>
-          <a:blip r:embed="rId3" cstate="print">
-            <a:extLst>
-              <a:ext uri="{28A0092B-C50C-407E-A947-70E740481C1C}">
-                <a14:useLocalDpi xmlns:a14="http://schemas.microsoft.com/office/drawing/2010/main" val="0"/>
-              </a:ext>
-            </a:extLst>
-          </a:blip>
-          <a:stretch>
-            <a:fillRect/>
-          </a:stretch>
-        </p:blipFill>
-        <p:spPr>
-          <a:xfrm>
-            <a:off x="3604083" y="2057999"/>
-            <a:ext cx="5343695" cy="2650055"/>
-          </a:xfrm>
-          <a:prstGeom prst="rect">
-            <a:avLst/>
-          </a:prstGeom>
-        </p:spPr>
-      </p:pic>
       <p:sp>
         <p:nvSpPr>
           <p:cNvPr id="4914" name="직사각형 4913"/>
@@ -9834,385 +10647,10 @@
       </p:sp>
       <p:sp>
         <p:nvSpPr>
-          <p:cNvPr id="13" name="타원 12"/>
-          <p:cNvSpPr/>
-          <p:nvPr/>
-        </p:nvSpPr>
-        <p:spPr>
-          <a:xfrm>
-            <a:off x="320031" y="1208584"/>
-            <a:ext cx="631437" cy="631437"/>
-          </a:xfrm>
-          <a:prstGeom prst="ellipse">
-            <a:avLst/>
-          </a:prstGeom>
-          <a:ln>
-            <a:noFill/>
-          </a:ln>
-        </p:spPr>
-        <p:style>
-          <a:lnRef idx="2">
-            <a:schemeClr val="accent1">
-              <a:shade val="50000"/>
-            </a:schemeClr>
-          </a:lnRef>
-          <a:fillRef idx="1">
-            <a:schemeClr val="accent1"/>
-          </a:fillRef>
-          <a:effectRef idx="0">
-            <a:schemeClr val="accent1"/>
-          </a:effectRef>
-          <a:fontRef idx="minor">
-            <a:schemeClr val="lt1"/>
-          </a:fontRef>
-        </p:style>
-        <p:txBody>
-          <a:bodyPr anchor="ctr"/>
-          <a:lstStyle/>
-          <a:p>
-            <a:pPr algn="ctr">
-              <a:defRPr/>
-            </a:pPr>
-            <a:r>
-              <a:rPr lang="en-US" altLang="ko-KR" sz="1400" b="1" dirty="0">
-                <a:ln w="9525">
-                  <a:solidFill>
-                    <a:schemeClr val="bg1">
-                      <a:alpha val="30000"/>
-                    </a:schemeClr>
-                  </a:solidFill>
-                </a:ln>
-                <a:latin typeface="바탕"/>
-                <a:ea typeface="바탕"/>
-              </a:rPr>
-              <a:t>03</a:t>
-            </a:r>
-            <a:endParaRPr lang="ko-KR" altLang="en-US" sz="1400" b="1" dirty="0">
-              <a:ln w="9525">
-                <a:solidFill>
-                  <a:schemeClr val="bg1">
-                    <a:alpha val="30000"/>
-                  </a:schemeClr>
-                </a:solidFill>
-              </a:ln>
-              <a:latin typeface="바탕"/>
-              <a:ea typeface="바탕"/>
-            </a:endParaRPr>
-          </a:p>
-        </p:txBody>
-      </p:sp>
-      <p:sp>
-        <p:nvSpPr>
-          <p:cNvPr id="14" name="TextBox 13"/>
-          <p:cNvSpPr txBox="1"/>
-          <p:nvPr/>
-        </p:nvSpPr>
-        <p:spPr>
-          <a:xfrm>
-            <a:off x="1020479" y="1657889"/>
-            <a:ext cx="3622688" cy="316690"/>
-          </a:xfrm>
-          <a:prstGeom prst="rect">
-            <a:avLst/>
-          </a:prstGeom>
-          <a:noFill/>
-        </p:spPr>
-        <p:txBody>
-          <a:bodyPr wrap="square" anchor="b">
-            <a:spAutoFit/>
-          </a:bodyPr>
-          <a:lstStyle/>
-          <a:p>
-            <a:pPr>
-              <a:lnSpc>
-                <a:spcPct val="120000"/>
-              </a:lnSpc>
-              <a:defRPr/>
-            </a:pPr>
-            <a:r>
-              <a:rPr lang="en-US" altLang="ko-KR" sz="1400" dirty="0">
-                <a:solidFill>
-                  <a:schemeClr val="bg1">
-                    <a:lumMod val="65000"/>
-                  </a:schemeClr>
-                </a:solidFill>
-                <a:latin typeface="바탕" panose="02030600000101010101" pitchFamily="18" charset="-127"/>
-                <a:ea typeface="바탕" panose="02030600000101010101" pitchFamily="18" charset="-127"/>
-                <a:hlinkClick r:id="rId4">
-                  <a:extLst>
-                    <a:ext uri="{A12FA001-AC4F-418D-AE19-62706E023703}">
-                      <ahyp:hlinkClr xmlns:ahyp="http://schemas.microsoft.com/office/drawing/2018/hyperlinkcolor" val="tx"/>
-                    </a:ext>
-                  </a:extLst>
-                </a:hlinkClick>
-              </a:rPr>
-              <a:t>http://samsung-dsrecruit.com/index.php</a:t>
-            </a:r>
-            <a:endParaRPr lang="en-US" altLang="ko-KR" sz="1400" dirty="0">
-              <a:solidFill>
-                <a:schemeClr val="bg1">
-                  <a:lumMod val="65000"/>
-                </a:schemeClr>
-              </a:solidFill>
-              <a:latin typeface="바탕" panose="02030600000101010101" pitchFamily="18" charset="-127"/>
-              <a:ea typeface="바탕" panose="02030600000101010101" pitchFamily="18" charset="-127"/>
-            </a:endParaRPr>
-          </a:p>
-        </p:txBody>
-      </p:sp>
-      <p:sp>
-        <p:nvSpPr>
-          <p:cNvPr id="15" name="TextBox 14"/>
-          <p:cNvSpPr txBox="1"/>
-          <p:nvPr/>
-        </p:nvSpPr>
-        <p:spPr>
-          <a:xfrm>
-            <a:off x="761686" y="1323276"/>
-            <a:ext cx="5874174" cy="400110"/>
-          </a:xfrm>
-          <a:prstGeom prst="rect">
-            <a:avLst/>
-          </a:prstGeom>
-          <a:noFill/>
-        </p:spPr>
-        <p:txBody>
-          <a:bodyPr wrap="square">
-            <a:spAutoFit/>
-          </a:bodyPr>
-          <a:lstStyle/>
-          <a:p>
-            <a:pPr algn="ctr">
-              <a:defRPr/>
-            </a:pPr>
-            <a:r>
-              <a:rPr lang="en-US" altLang="ko-KR" sz="2000" b="1" dirty="0">
-                <a:ln w="9525">
-                  <a:solidFill>
-                    <a:schemeClr val="accent1">
-                      <a:alpha val="30000"/>
-                    </a:schemeClr>
-                  </a:solidFill>
-                </a:ln>
-                <a:gradFill flip="none" rotWithShape="1">
-                  <a:gsLst>
-                    <a:gs pos="0">
-                      <a:schemeClr val="accent4"/>
-                    </a:gs>
-                    <a:gs pos="63000">
-                      <a:schemeClr val="accent1"/>
-                    </a:gs>
-                  </a:gsLst>
-                  <a:path path="circle">
-                    <a:fillToRect r="100000" b="100000"/>
-                  </a:path>
-                  <a:tileRect l="-100000" t="-100000"/>
-                </a:gradFill>
-                <a:latin typeface="바탕"/>
-                <a:ea typeface="바탕"/>
-              </a:rPr>
-              <a:t>(</a:t>
-            </a:r>
-            <a:r>
-              <a:rPr lang="ko-KR" altLang="en-US" sz="2000" b="1" dirty="0">
-                <a:ln w="9525">
-                  <a:solidFill>
-                    <a:schemeClr val="accent1">
-                      <a:alpha val="30000"/>
-                    </a:schemeClr>
-                  </a:solidFill>
-                </a:ln>
-                <a:gradFill flip="none" rotWithShape="1">
-                  <a:gsLst>
-                    <a:gs pos="0">
-                      <a:schemeClr val="accent4"/>
-                    </a:gs>
-                    <a:gs pos="63000">
-                      <a:schemeClr val="accent1"/>
-                    </a:gs>
-                  </a:gsLst>
-                  <a:path path="circle">
-                    <a:fillToRect r="100000" b="100000"/>
-                  </a:path>
-                  <a:tileRect l="-100000" t="-100000"/>
-                </a:gradFill>
-                <a:latin typeface="바탕"/>
-                <a:ea typeface="바탕"/>
-              </a:rPr>
-              <a:t>삼성에 관심 있으신 분들께</a:t>
-            </a:r>
-            <a:r>
-              <a:rPr lang="en-US" altLang="ko-KR" sz="2000" b="1" dirty="0">
-                <a:ln w="9525">
-                  <a:solidFill>
-                    <a:schemeClr val="accent1">
-                      <a:alpha val="30000"/>
-                    </a:schemeClr>
-                  </a:solidFill>
-                </a:ln>
-                <a:gradFill flip="none" rotWithShape="1">
-                  <a:gsLst>
-                    <a:gs pos="0">
-                      <a:schemeClr val="accent4"/>
-                    </a:gs>
-                    <a:gs pos="63000">
-                      <a:schemeClr val="accent1"/>
-                    </a:gs>
-                  </a:gsLst>
-                  <a:path path="circle">
-                    <a:fillToRect r="100000" b="100000"/>
-                  </a:path>
-                  <a:tileRect l="-100000" t="-100000"/>
-                </a:gradFill>
-                <a:latin typeface="바탕"/>
-                <a:ea typeface="바탕"/>
-              </a:rPr>
-              <a:t>..) </a:t>
-            </a:r>
-            <a:r>
-              <a:rPr lang="ko-KR" altLang="en-US" sz="2000" b="1" dirty="0">
-                <a:ln w="9525">
-                  <a:solidFill>
-                    <a:schemeClr val="accent1">
-                      <a:alpha val="30000"/>
-                    </a:schemeClr>
-                  </a:solidFill>
-                </a:ln>
-                <a:gradFill flip="none" rotWithShape="1">
-                  <a:gsLst>
-                    <a:gs pos="0">
-                      <a:schemeClr val="accent4"/>
-                    </a:gs>
-                    <a:gs pos="63000">
-                      <a:schemeClr val="accent1"/>
-                    </a:gs>
-                  </a:gsLst>
-                  <a:path path="circle">
-                    <a:fillToRect r="100000" b="100000"/>
-                  </a:path>
-                  <a:tileRect l="-100000" t="-100000"/>
-                </a:gradFill>
-                <a:latin typeface="바탕"/>
-                <a:ea typeface="바탕"/>
-              </a:rPr>
-              <a:t>아주 좋은</a:t>
-            </a:r>
-            <a:r>
-              <a:rPr lang="en-US" altLang="ko-KR" sz="2000" b="1" dirty="0">
-                <a:ln w="9525">
-                  <a:solidFill>
-                    <a:schemeClr val="accent1">
-                      <a:alpha val="30000"/>
-                    </a:schemeClr>
-                  </a:solidFill>
-                </a:ln>
-                <a:gradFill flip="none" rotWithShape="1">
-                  <a:gsLst>
-                    <a:gs pos="0">
-                      <a:schemeClr val="accent4"/>
-                    </a:gs>
-                    <a:gs pos="63000">
-                      <a:schemeClr val="accent1"/>
-                    </a:gs>
-                  </a:gsLst>
-                  <a:path path="circle">
-                    <a:fillToRect r="100000" b="100000"/>
-                  </a:path>
-                  <a:tileRect l="-100000" t="-100000"/>
-                </a:gradFill>
-                <a:latin typeface="바탕"/>
-                <a:ea typeface="바탕"/>
-              </a:rPr>
-              <a:t>.. </a:t>
-            </a:r>
-            <a:r>
-              <a:rPr lang="ko-KR" altLang="en-US" sz="2000" b="1" dirty="0">
-                <a:ln w="9525">
-                  <a:solidFill>
-                    <a:schemeClr val="accent1">
-                      <a:alpha val="30000"/>
-                    </a:schemeClr>
-                  </a:solidFill>
-                </a:ln>
-                <a:gradFill flip="none" rotWithShape="1">
-                  <a:gsLst>
-                    <a:gs pos="0">
-                      <a:schemeClr val="accent4"/>
-                    </a:gs>
-                    <a:gs pos="63000">
-                      <a:schemeClr val="accent1"/>
-                    </a:gs>
-                  </a:gsLst>
-                  <a:path path="circle">
-                    <a:fillToRect r="100000" b="100000"/>
-                  </a:path>
-                  <a:tileRect l="-100000" t="-100000"/>
-                </a:gradFill>
-                <a:latin typeface="바탕"/>
-                <a:ea typeface="바탕"/>
-              </a:rPr>
-              <a:t>정보</a:t>
-            </a:r>
-          </a:p>
-        </p:txBody>
-      </p:sp>
-      <mc:AlternateContent xmlns:mc="http://schemas.openxmlformats.org/markup-compatibility/2006" xmlns:p14="http://schemas.microsoft.com/office/powerpoint/2010/main">
-        <mc:Choice Requires="p14">
-          <p:contentPart p14:bwMode="auto" r:id="rId5">
-            <p14:nvContentPartPr>
-              <p14:cNvPr id="10" name="잉크 9">
-                <a:extLst>
-                  <a:ext uri="{FF2B5EF4-FFF2-40B4-BE49-F238E27FC236}">
-                    <a16:creationId xmlns:a16="http://schemas.microsoft.com/office/drawing/2014/main" id="{ABCF400C-DFD4-4673-A983-BAB493103927}"/>
-                  </a:ext>
-                </a:extLst>
-              </p14:cNvPr>
-              <p14:cNvContentPartPr/>
-              <p14:nvPr/>
-            </p14:nvContentPartPr>
-            <p14:xfrm>
-              <a:off x="3850428" y="5371018"/>
-              <a:ext cx="109440" cy="75960"/>
-            </p14:xfrm>
-          </p:contentPart>
-        </mc:Choice>
-        <mc:Fallback xmlns="">
-          <p:pic>
-            <p:nvPicPr>
-              <p:cNvPr id="10" name="잉크 9">
-                <a:extLst>
-                  <a:ext uri="{FF2B5EF4-FFF2-40B4-BE49-F238E27FC236}">
-                    <a16:creationId xmlns:a16="http://schemas.microsoft.com/office/drawing/2014/main" id="{ABCF400C-DFD4-4673-A983-BAB493103927}"/>
-                  </a:ext>
-                </a:extLst>
-              </p:cNvPr>
-              <p:cNvPicPr/>
-              <p:nvPr/>
-            </p:nvPicPr>
-            <p:blipFill>
-              <a:blip r:embed="rId6"/>
-              <a:stretch>
-                <a:fillRect/>
-              </a:stretch>
-            </p:blipFill>
-            <p:spPr>
-              <a:xfrm>
-                <a:off x="3846108" y="5366698"/>
-                <a:ext cx="118080" cy="84600"/>
-              </a:xfrm>
-              <a:prstGeom prst="rect">
-                <a:avLst/>
-              </a:prstGeom>
-            </p:spPr>
-          </p:pic>
-        </mc:Fallback>
-      </mc:AlternateContent>
-      <p:sp>
-        <p:nvSpPr>
-          <p:cNvPr id="8" name="TextBox 7">
-            <a:extLst>
-              <a:ext uri="{FF2B5EF4-FFF2-40B4-BE49-F238E27FC236}">
-                <a16:creationId xmlns:a16="http://schemas.microsoft.com/office/drawing/2014/main" id="{88181A70-39DC-4A07-9BF5-A9364E2A8597}"/>
+          <p:cNvPr id="15" name="TextBox 14">
+            <a:extLst>
+              <a:ext uri="{FF2B5EF4-FFF2-40B4-BE49-F238E27FC236}">
+                <a16:creationId xmlns:a16="http://schemas.microsoft.com/office/drawing/2014/main" id="{C334428D-091B-4779-968E-C65F55EE5769}"/>
               </a:ext>
             </a:extLst>
           </p:cNvPr>
@@ -10348,7 +10786,7 @@
           <p:cNvPr id="3" name="그림 2">
             <a:extLst>
               <a:ext uri="{FF2B5EF4-FFF2-40B4-BE49-F238E27FC236}">
-                <a16:creationId xmlns:a16="http://schemas.microsoft.com/office/drawing/2014/main" id="{18AA477F-6F7A-4083-AC6D-B7FF336768B5}"/>
+                <a16:creationId xmlns:a16="http://schemas.microsoft.com/office/drawing/2014/main" id="{12559A15-9816-4B82-91D9-F23327BD299C}"/>
               </a:ext>
             </a:extLst>
           </p:cNvPr>
@@ -10358,7 +10796,7 @@
           <p:nvPr/>
         </p:nvPicPr>
         <p:blipFill>
-          <a:blip r:embed="rId7" cstate="print">
+          <a:blip r:embed="rId2">
             <a:extLst>
               <a:ext uri="{28A0092B-C50C-407E-A947-70E740481C1C}">
                 <a14:useLocalDpi xmlns:a14="http://schemas.microsoft.com/office/drawing/2010/main" val="0"/>
@@ -10371,8 +10809,8 @@
         </p:blipFill>
         <p:spPr>
           <a:xfrm>
-            <a:off x="0" y="2057999"/>
-            <a:ext cx="3622688" cy="1510326"/>
+            <a:off x="684415" y="1142722"/>
+            <a:ext cx="3400531" cy="4819650"/>
           </a:xfrm>
           <a:prstGeom prst="rect">
             <a:avLst/>
@@ -10384,7 +10822,7 @@
           <p:cNvPr id="5" name="그림 4">
             <a:extLst>
               <a:ext uri="{FF2B5EF4-FFF2-40B4-BE49-F238E27FC236}">
-                <a16:creationId xmlns:a16="http://schemas.microsoft.com/office/drawing/2014/main" id="{67CF7F69-5D3A-4A90-B474-87B730D720D6}"/>
+                <a16:creationId xmlns:a16="http://schemas.microsoft.com/office/drawing/2014/main" id="{90397637-A557-4769-8B27-3C1535A09BCB}"/>
               </a:ext>
             </a:extLst>
           </p:cNvPr>
@@ -10394,7 +10832,7 @@
           <p:nvPr/>
         </p:nvPicPr>
         <p:blipFill>
-          <a:blip r:embed="rId8" cstate="print">
+          <a:blip r:embed="rId3">
             <a:extLst>
               <a:ext uri="{28A0092B-C50C-407E-A947-70E740481C1C}">
                 <a14:useLocalDpi xmlns:a14="http://schemas.microsoft.com/office/drawing/2010/main" val="0"/>
@@ -10407,8 +10845,8 @@
         </p:blipFill>
         <p:spPr>
           <a:xfrm>
-            <a:off x="0" y="3568325"/>
-            <a:ext cx="3418626" cy="1510326"/>
+            <a:off x="4029181" y="1142722"/>
+            <a:ext cx="3512061" cy="4819650"/>
           </a:xfrm>
           <a:prstGeom prst="rect">
             <a:avLst/>
@@ -10417,10 +10855,10 @@
       </p:pic>
       <p:pic>
         <p:nvPicPr>
-          <p:cNvPr id="7" name="그림 6">
-            <a:extLst>
-              <a:ext uri="{FF2B5EF4-FFF2-40B4-BE49-F238E27FC236}">
-                <a16:creationId xmlns:a16="http://schemas.microsoft.com/office/drawing/2014/main" id="{67000A38-BDEE-43B4-A004-32E60B9266B0}"/>
+          <p:cNvPr id="8" name="그림 7">
+            <a:extLst>
+              <a:ext uri="{FF2B5EF4-FFF2-40B4-BE49-F238E27FC236}">
+                <a16:creationId xmlns:a16="http://schemas.microsoft.com/office/drawing/2014/main" id="{77226E3E-12FF-408C-A8E3-0F8CCD8BEA49}"/>
               </a:ext>
             </a:extLst>
           </p:cNvPr>
@@ -10430,7 +10868,7 @@
           <p:nvPr/>
         </p:nvPicPr>
         <p:blipFill>
-          <a:blip r:embed="rId9" cstate="print">
+          <a:blip r:embed="rId4">
             <a:extLst>
               <a:ext uri="{28A0092B-C50C-407E-A947-70E740481C1C}">
                 <a14:useLocalDpi xmlns:a14="http://schemas.microsoft.com/office/drawing/2010/main" val="0"/>
@@ -10443,168 +10881,20 @@
         </p:blipFill>
         <p:spPr>
           <a:xfrm>
-            <a:off x="0" y="5078651"/>
-            <a:ext cx="3418626" cy="1629810"/>
+            <a:off x="7541242" y="1142722"/>
+            <a:ext cx="3596643" cy="4819650"/>
           </a:xfrm>
           <a:prstGeom prst="rect">
             <a:avLst/>
           </a:prstGeom>
         </p:spPr>
       </p:pic>
-      <p:cxnSp>
-        <p:nvCxnSpPr>
-          <p:cNvPr id="11" name="직선 연결선 10">
-            <a:extLst>
-              <a:ext uri="{FF2B5EF4-FFF2-40B4-BE49-F238E27FC236}">
-                <a16:creationId xmlns:a16="http://schemas.microsoft.com/office/drawing/2014/main" id="{CEDE8536-FAAD-4DF0-867D-510C837F4065}"/>
-              </a:ext>
-            </a:extLst>
-          </p:cNvPr>
-          <p:cNvCxnSpPr>
-            <a:cxnSpLocks/>
-          </p:cNvCxnSpPr>
-          <p:nvPr/>
-        </p:nvCxnSpPr>
-        <p:spPr>
-          <a:xfrm>
-            <a:off x="3550144" y="2120397"/>
-            <a:ext cx="18605" cy="4601901"/>
-          </a:xfrm>
-          <a:prstGeom prst="line">
-            <a:avLst/>
-          </a:prstGeom>
-        </p:spPr>
-        <p:style>
-          <a:lnRef idx="1">
-            <a:schemeClr val="accent1"/>
-          </a:lnRef>
-          <a:fillRef idx="0">
-            <a:schemeClr val="accent1"/>
-          </a:fillRef>
-          <a:effectRef idx="0">
-            <a:schemeClr val="accent1"/>
-          </a:effectRef>
-          <a:fontRef idx="minor">
-            <a:schemeClr val="tx1"/>
-          </a:fontRef>
-        </p:style>
-      </p:cxnSp>
-      <p:pic>
-        <p:nvPicPr>
-          <p:cNvPr id="20" name="그림 19">
-            <a:extLst>
-              <a:ext uri="{FF2B5EF4-FFF2-40B4-BE49-F238E27FC236}">
-                <a16:creationId xmlns:a16="http://schemas.microsoft.com/office/drawing/2014/main" id="{A3C03F1D-7F56-43D7-B513-D6EDC4D833EB}"/>
-              </a:ext>
-            </a:extLst>
-          </p:cNvPr>
-          <p:cNvPicPr>
-            <a:picLocks noChangeAspect="1"/>
-          </p:cNvPicPr>
-          <p:nvPr/>
-        </p:nvPicPr>
-        <p:blipFill>
-          <a:blip r:embed="rId10" cstate="print">
-            <a:extLst>
-              <a:ext uri="{28A0092B-C50C-407E-A947-70E740481C1C}">
-                <a14:useLocalDpi xmlns:a14="http://schemas.microsoft.com/office/drawing/2010/main" val="0"/>
-              </a:ext>
-            </a:extLst>
-          </a:blip>
-          <a:stretch>
-            <a:fillRect/>
-          </a:stretch>
-        </p:blipFill>
-        <p:spPr>
-          <a:xfrm>
-            <a:off x="3905148" y="4873115"/>
-            <a:ext cx="4741567" cy="1694844"/>
-          </a:xfrm>
-          <a:prstGeom prst="rect">
-            <a:avLst/>
-          </a:prstGeom>
-        </p:spPr>
-      </p:pic>
-      <p:cxnSp>
-        <p:nvCxnSpPr>
-          <p:cNvPr id="22" name="직선 연결선 21">
-            <a:extLst>
-              <a:ext uri="{FF2B5EF4-FFF2-40B4-BE49-F238E27FC236}">
-                <a16:creationId xmlns:a16="http://schemas.microsoft.com/office/drawing/2014/main" id="{78BF8916-1743-4500-8587-498978035F93}"/>
-              </a:ext>
-            </a:extLst>
-          </p:cNvPr>
-          <p:cNvCxnSpPr>
-            <a:cxnSpLocks/>
-          </p:cNvCxnSpPr>
-          <p:nvPr/>
-        </p:nvCxnSpPr>
-        <p:spPr>
-          <a:xfrm>
-            <a:off x="8928357" y="2027477"/>
-            <a:ext cx="19421" cy="4540482"/>
-          </a:xfrm>
-          <a:prstGeom prst="line">
-            <a:avLst/>
-          </a:prstGeom>
-        </p:spPr>
-        <p:style>
-          <a:lnRef idx="1">
-            <a:schemeClr val="accent1"/>
-          </a:lnRef>
-          <a:fillRef idx="0">
-            <a:schemeClr val="accent1"/>
-          </a:fillRef>
-          <a:effectRef idx="0">
-            <a:schemeClr val="accent1"/>
-          </a:effectRef>
-          <a:fontRef idx="minor">
-            <a:schemeClr val="tx1"/>
-          </a:fontRef>
-        </p:style>
-      </p:cxnSp>
-      <p:pic>
-        <p:nvPicPr>
-          <p:cNvPr id="25" name="그림 24">
-            <a:extLst>
-              <a:ext uri="{FF2B5EF4-FFF2-40B4-BE49-F238E27FC236}">
-                <a16:creationId xmlns:a16="http://schemas.microsoft.com/office/drawing/2014/main" id="{0DD30BB1-2106-4CD2-873E-D72A70C39AD8}"/>
-              </a:ext>
-            </a:extLst>
-          </p:cNvPr>
-          <p:cNvPicPr>
-            <a:picLocks noChangeAspect="1"/>
-          </p:cNvPicPr>
-          <p:nvPr/>
-        </p:nvPicPr>
-        <p:blipFill>
-          <a:blip r:embed="rId11" cstate="print">
-            <a:extLst>
-              <a:ext uri="{28A0092B-C50C-407E-A947-70E740481C1C}">
-                <a14:useLocalDpi xmlns:a14="http://schemas.microsoft.com/office/drawing/2010/main" val="0"/>
-              </a:ext>
-            </a:extLst>
-          </a:blip>
-          <a:stretch>
-            <a:fillRect/>
-          </a:stretch>
-        </p:blipFill>
-        <p:spPr>
-          <a:xfrm>
-            <a:off x="9055964" y="4399741"/>
-            <a:ext cx="3013181" cy="2372264"/>
-          </a:xfrm>
-          <a:prstGeom prst="rect">
-            <a:avLst/>
-          </a:prstGeom>
-        </p:spPr>
-      </p:pic>
-      <p:sp>
-        <p:nvSpPr>
-          <p:cNvPr id="27" name="TextBox 26">
-            <a:extLst>
-              <a:ext uri="{FF2B5EF4-FFF2-40B4-BE49-F238E27FC236}">
-                <a16:creationId xmlns:a16="http://schemas.microsoft.com/office/drawing/2014/main" id="{413CB585-397A-4EDE-95A5-04392A1452D5}"/>
+      <p:sp>
+        <p:nvSpPr>
+          <p:cNvPr id="17" name="TextBox 16">
+            <a:extLst>
+              <a:ext uri="{FF2B5EF4-FFF2-40B4-BE49-F238E27FC236}">
+                <a16:creationId xmlns:a16="http://schemas.microsoft.com/office/drawing/2014/main" id="{60FF0D5C-0804-4D6A-BB71-BF70FDAE7F42}"/>
               </a:ext>
             </a:extLst>
           </p:cNvPr>
@@ -10613,8 +10903,8 @@
         </p:nvSpPr>
         <p:spPr>
           <a:xfrm>
-            <a:off x="1371551" y="5893556"/>
-            <a:ext cx="2179549" cy="332783"/>
+            <a:off x="8305608" y="6180591"/>
+            <a:ext cx="3824069" cy="621965"/>
           </a:xfrm>
           <a:prstGeom prst="rect">
             <a:avLst/>
@@ -10634,42 +10924,42 @@
               <a:defRPr/>
             </a:pPr>
             <a:r>
-              <a:rPr lang="ko-KR" altLang="en-US" sz="1500" b="1" dirty="0">
-                <a:latin typeface="바탕"/>
-                <a:ea typeface="바탕"/>
-              </a:rPr>
-              <a:t>사업부 종류</a:t>
-            </a:r>
-            <a:r>
-              <a:rPr lang="en-US" altLang="ko-KR" sz="1500" b="1" dirty="0">
-                <a:latin typeface="바탕"/>
-                <a:ea typeface="바탕"/>
-              </a:rPr>
-              <a:t>,,, </a:t>
-            </a:r>
-            <a:r>
-              <a:rPr lang="ko-KR" altLang="en-US" sz="1500" b="1" dirty="0">
-                <a:latin typeface="바탕"/>
-                <a:ea typeface="바탕"/>
-              </a:rPr>
-              <a:t>및 소개</a:t>
-            </a:r>
-            <a:r>
-              <a:rPr lang="en-US" altLang="ko-KR" sz="1500" b="1" dirty="0">
-                <a:latin typeface="바탕"/>
-                <a:ea typeface="바탕"/>
-              </a:rPr>
-              <a:t>,,</a:t>
-            </a:r>
-          </a:p>
-        </p:txBody>
-      </p:sp>
-      <p:sp>
-        <p:nvSpPr>
-          <p:cNvPr id="28" name="TextBox 27">
-            <a:extLst>
-              <a:ext uri="{FF2B5EF4-FFF2-40B4-BE49-F238E27FC236}">
-                <a16:creationId xmlns:a16="http://schemas.microsoft.com/office/drawing/2014/main" id="{3FD4D7BF-5E55-464B-8267-D72C46B3A809}"/>
+              <a:rPr lang="en-US" altLang="ko-KR" sz="1000" dirty="0">
+                <a:solidFill>
+                  <a:schemeClr val="bg1">
+                    <a:lumMod val="50000"/>
+                  </a:schemeClr>
+                </a:solidFill>
+                <a:latin typeface="바탕" panose="02030600000101010101" pitchFamily="18" charset="-127"/>
+                <a:ea typeface="바탕" panose="02030600000101010101" pitchFamily="18" charset="-127"/>
+                <a:hlinkClick r:id="rId5">
+                  <a:extLst>
+                    <a:ext uri="{A12FA001-AC4F-418D-AE19-62706E023703}">
+                      <ahyp:hlinkClr xmlns:ahyp="http://schemas.microsoft.com/office/drawing/2018/hyperlinkcolor" val="tx"/>
+                    </a:ext>
+                  </a:extLst>
+                </a:hlinkClick>
+              </a:rPr>
+              <a:t>http://www.riss.kr/search/detail/DetailView.do?p_mat_type=be54d9b8bc7cdb09&amp;control_no=7a2922164c3d942affe0bdc3ef48d419</a:t>
+            </a:r>
+            <a:endParaRPr lang="en-US" altLang="ko-KR" sz="1000" dirty="0">
+              <a:solidFill>
+                <a:schemeClr val="bg1">
+                  <a:lumMod val="50000"/>
+                </a:schemeClr>
+              </a:solidFill>
+              <a:latin typeface="바탕" panose="02030600000101010101" pitchFamily="18" charset="-127"/>
+              <a:ea typeface="바탕" panose="02030600000101010101" pitchFamily="18" charset="-127"/>
+            </a:endParaRPr>
+          </a:p>
+        </p:txBody>
+      </p:sp>
+      <p:sp>
+        <p:nvSpPr>
+          <p:cNvPr id="23" name="TextBox 22">
+            <a:extLst>
+              <a:ext uri="{FF2B5EF4-FFF2-40B4-BE49-F238E27FC236}">
+                <a16:creationId xmlns:a16="http://schemas.microsoft.com/office/drawing/2014/main" id="{54208329-4007-4482-89AC-E8660EF4C982}"/>
               </a:ext>
             </a:extLst>
           </p:cNvPr>
@@ -10678,8 +10968,8 @@
         </p:nvSpPr>
         <p:spPr>
           <a:xfrm>
-            <a:off x="6335932" y="3429000"/>
-            <a:ext cx="1591744" cy="332783"/>
+            <a:off x="319079" y="1073656"/>
+            <a:ext cx="4787791" cy="390043"/>
           </a:xfrm>
           <a:prstGeom prst="rect">
             <a:avLst/>
@@ -10692,136 +10982,169 @@
           </a:bodyPr>
           <a:lstStyle/>
           <a:p>
-            <a:pPr>
+            <a:pPr marL="285750" indent="-285750">
+              <a:lnSpc>
+                <a:spcPct val="120000"/>
+              </a:lnSpc>
+              <a:buFont typeface="Arial" panose="020B0604020202020204" pitchFamily="34" charset="0"/>
+              <a:buChar char="•"/>
+              <a:defRPr/>
+            </a:pPr>
+            <a:r>
+              <a:rPr lang="en-US" altLang="ko-KR" dirty="0">
+                <a:solidFill>
+                  <a:schemeClr val="tx1">
+                    <a:lumMod val="50000"/>
+                    <a:lumOff val="50000"/>
+                  </a:schemeClr>
+                </a:solidFill>
+                <a:latin typeface="바탕"/>
+                <a:ea typeface="바탕"/>
+              </a:rPr>
+              <a:t>Path planning</a:t>
+            </a:r>
+          </a:p>
+        </p:txBody>
+      </p:sp>
+      <p:sp>
+        <p:nvSpPr>
+          <p:cNvPr id="4" name="TextBox 3">
+            <a:extLst>
+              <a:ext uri="{FF2B5EF4-FFF2-40B4-BE49-F238E27FC236}">
+                <a16:creationId xmlns:a16="http://schemas.microsoft.com/office/drawing/2014/main" id="{9A1A8BE0-7701-41BE-A46C-5A70B1B99D8F}"/>
+              </a:ext>
+            </a:extLst>
+          </p:cNvPr>
+          <p:cNvSpPr txBox="1"/>
+          <p:nvPr/>
+        </p:nvSpPr>
+        <p:spPr>
+          <a:xfrm>
+            <a:off x="2879015" y="6120215"/>
+            <a:ext cx="7073660" cy="941796"/>
+          </a:xfrm>
+          <a:prstGeom prst="rect">
+            <a:avLst/>
+          </a:prstGeom>
+          <a:noFill/>
+        </p:spPr>
+        <p:txBody>
+          <a:bodyPr wrap="square" rtlCol="0">
+            <a:spAutoFit/>
+          </a:bodyPr>
+          <a:lstStyle/>
+          <a:p>
+            <a:pPr algn="ctr">
               <a:lnSpc>
                 <a:spcPct val="120000"/>
               </a:lnSpc>
               <a:defRPr/>
             </a:pPr>
             <a:r>
-              <a:rPr lang="ko-KR" altLang="en-US" sz="1500" b="1" dirty="0">
-                <a:latin typeface="바탕"/>
-                <a:ea typeface="바탕"/>
-              </a:rPr>
-              <a:t>직무 종류 소개</a:t>
-            </a:r>
-            <a:r>
-              <a:rPr lang="en-US" altLang="ko-KR" sz="1500" b="1" dirty="0">
-                <a:latin typeface="바탕"/>
-                <a:ea typeface="바탕"/>
-              </a:rPr>
-              <a:t>,,</a:t>
-            </a:r>
-          </a:p>
-        </p:txBody>
-      </p:sp>
-      <p:cxnSp>
-        <p:nvCxnSpPr>
-          <p:cNvPr id="29" name="직선 연결선 28">
-            <a:extLst>
-              <a:ext uri="{FF2B5EF4-FFF2-40B4-BE49-F238E27FC236}">
-                <a16:creationId xmlns:a16="http://schemas.microsoft.com/office/drawing/2014/main" id="{B3B251F0-6D7B-4B8C-9A18-665109870DBD}"/>
-              </a:ext>
-            </a:extLst>
-          </p:cNvPr>
-          <p:cNvCxnSpPr>
-            <a:cxnSpLocks/>
-          </p:cNvCxnSpPr>
-          <p:nvPr/>
-        </p:nvCxnSpPr>
-        <p:spPr>
-          <a:xfrm>
-            <a:off x="3550144" y="4873115"/>
-            <a:ext cx="5379099" cy="0"/>
-          </a:xfrm>
-          <a:prstGeom prst="line">
-            <a:avLst/>
-          </a:prstGeom>
-        </p:spPr>
-        <p:style>
-          <a:lnRef idx="1">
-            <a:schemeClr val="accent1"/>
-          </a:lnRef>
-          <a:fillRef idx="0">
-            <a:schemeClr val="accent1"/>
-          </a:fillRef>
-          <a:effectRef idx="0">
-            <a:schemeClr val="accent1"/>
-          </a:effectRef>
-          <a:fontRef idx="minor">
-            <a:schemeClr val="tx1"/>
-          </a:fontRef>
-        </p:style>
-      </p:cxnSp>
-      <p:sp>
-        <p:nvSpPr>
-          <p:cNvPr id="31" name="TextBox 30">
-            <a:extLst>
-              <a:ext uri="{FF2B5EF4-FFF2-40B4-BE49-F238E27FC236}">
-                <a16:creationId xmlns:a16="http://schemas.microsoft.com/office/drawing/2014/main" id="{617E7C6E-DD47-4F9A-924B-2A87F21093FE}"/>
-              </a:ext>
-            </a:extLst>
-          </p:cNvPr>
-          <p:cNvSpPr txBox="1"/>
-          <p:nvPr/>
-        </p:nvSpPr>
-        <p:spPr>
-          <a:xfrm>
-            <a:off x="5840901" y="4983895"/>
-            <a:ext cx="3034440" cy="609782"/>
-          </a:xfrm>
-          <a:prstGeom prst="rect">
-            <a:avLst/>
-          </a:prstGeom>
-          <a:noFill/>
-        </p:spPr>
-        <p:txBody>
-          <a:bodyPr wrap="square" anchor="b">
-            <a:spAutoFit/>
-          </a:bodyPr>
-          <a:lstStyle/>
-          <a:p>
-            <a:pPr>
+              <a:rPr lang="ko-KR" altLang="en-US" sz="1200" dirty="0">
+                <a:solidFill>
+                  <a:schemeClr val="tx1">
+                    <a:lumMod val="50000"/>
+                    <a:lumOff val="50000"/>
+                  </a:schemeClr>
+                </a:solidFill>
+                <a:latin typeface="바탕"/>
+                <a:ea typeface="바탕"/>
+              </a:rPr>
+              <a:t>출처 </a:t>
+            </a:r>
+            <a:r>
+              <a:rPr lang="en-US" altLang="ko-KR" sz="1200">
+                <a:solidFill>
+                  <a:schemeClr val="tx1">
+                    <a:lumMod val="50000"/>
+                    <a:lumOff val="50000"/>
+                  </a:schemeClr>
+                </a:solidFill>
+                <a:latin typeface="바탕"/>
+                <a:ea typeface="바탕"/>
+              </a:rPr>
+              <a:t>: </a:t>
+            </a:r>
+            <a:r>
+              <a:rPr lang="ko-KR" altLang="en-US" sz="1200">
+                <a:solidFill>
+                  <a:schemeClr val="tx1">
+                    <a:lumMod val="50000"/>
+                    <a:lumOff val="50000"/>
+                  </a:schemeClr>
+                </a:solidFill>
+                <a:latin typeface="바탕"/>
+                <a:ea typeface="바탕"/>
+              </a:rPr>
+              <a:t>최성</a:t>
+            </a:r>
+            <a:r>
+              <a:rPr lang="en-US" altLang="ko-KR" sz="1200" dirty="0">
+                <a:solidFill>
+                  <a:schemeClr val="tx1">
+                    <a:lumMod val="50000"/>
+                    <a:lumOff val="50000"/>
+                  </a:schemeClr>
+                </a:solidFill>
+                <a:latin typeface="바탕"/>
+                <a:ea typeface="바탕"/>
+              </a:rPr>
+              <a:t>/An Effective Inverse Kinematic Scheme</a:t>
+            </a:r>
+          </a:p>
+          <a:p>
+            <a:pPr algn="ctr">
               <a:lnSpc>
                 <a:spcPct val="120000"/>
               </a:lnSpc>
               <a:defRPr/>
             </a:pPr>
             <a:r>
-              <a:rPr lang="ko-KR" altLang="en-US" sz="1500" b="1" dirty="0">
-                <a:latin typeface="바탕"/>
-                <a:ea typeface="바탕"/>
-              </a:rPr>
-              <a:t>직무 별</a:t>
-            </a:r>
-            <a:r>
-              <a:rPr lang="en-US" altLang="ko-KR" sz="1500" b="1" dirty="0">
-                <a:latin typeface="바탕"/>
-                <a:ea typeface="바탕"/>
-              </a:rPr>
-              <a:t>, </a:t>
-            </a:r>
-            <a:r>
-              <a:rPr lang="ko-KR" altLang="en-US" sz="1500" b="1" dirty="0">
-                <a:latin typeface="바탕"/>
-                <a:ea typeface="바탕"/>
-              </a:rPr>
-              <a:t>사업부 별 자세한  역할소개</a:t>
-            </a:r>
-            <a:r>
-              <a:rPr lang="en-US" altLang="ko-KR" sz="1500" b="1" dirty="0">
-                <a:latin typeface="바탕"/>
-                <a:ea typeface="바탕"/>
-              </a:rPr>
-              <a:t>,,</a:t>
-            </a:r>
+              <a:rPr lang="en-US" altLang="ko-KR" sz="1200" dirty="0">
+                <a:solidFill>
+                  <a:schemeClr val="tx1">
+                    <a:lumMod val="50000"/>
+                    <a:lumOff val="50000"/>
+                  </a:schemeClr>
+                </a:solidFill>
+                <a:latin typeface="바탕"/>
+                <a:ea typeface="바탕"/>
+              </a:rPr>
+              <a:t>for Parametric Path Tracking of</a:t>
+            </a:r>
+          </a:p>
+          <a:p>
+            <a:pPr algn="ctr">
+              <a:lnSpc>
+                <a:spcPct val="120000"/>
+              </a:lnSpc>
+              <a:defRPr/>
+            </a:pPr>
+            <a:r>
+              <a:rPr lang="en-US" altLang="ko-KR" sz="1200" dirty="0">
+                <a:solidFill>
+                  <a:schemeClr val="tx1">
+                    <a:lumMod val="50000"/>
+                    <a:lumOff val="50000"/>
+                  </a:schemeClr>
+                </a:solidFill>
+                <a:latin typeface="바탕"/>
+                <a:ea typeface="바탕"/>
+              </a:rPr>
+              <a:t>Industrial Robots (2008)/pp. 17 ~ 19</a:t>
+            </a:r>
+          </a:p>
+          <a:p>
+            <a:pPr algn="ctr"/>
+            <a:endParaRPr lang="ko-KR" altLang="en-US" sz="1200" dirty="0"/>
           </a:p>
         </p:txBody>
       </p:sp>
     </p:spTree>
     <p:extLst>
       <p:ext uri="{BB962C8B-B14F-4D97-AF65-F5344CB8AC3E}">
-        <p14:creationId xmlns:p14="http://schemas.microsoft.com/office/powerpoint/2010/main" val="3420224254"/>
+        <p14:creationId xmlns:p14="http://schemas.microsoft.com/office/powerpoint/2010/main" val="4279388725"/>
       </p:ext>
     </p:extLst>
   </p:cSld>
@@ -10832,7 +11155,7 @@
     <mc:Choice Requires="p14">
       <p:transition/>
     </mc:Choice>
-    <mc:Fallback xmlns:dsp="http://schemas.microsoft.com/office/drawing/2008/diagram" xmlns:dgm="http://schemas.openxmlformats.org/drawingml/2006/diagram" xmlns:c="http://schemas.openxmlformats.org/drawingml/2006/chart" xmlns="">
+    <mc:Fallback xmlns="" xmlns:c="http://schemas.openxmlformats.org/drawingml/2006/chart" xmlns:dgm="http://schemas.openxmlformats.org/drawingml/2006/diagram" xmlns:dsp="http://schemas.microsoft.com/office/drawing/2008/diagram">
       <p:transition/>
     </mc:Fallback>
   </mc:AlternateContent>
